--- a/Homework/Paper 1/Matthew_MBSE-Driven-IoT-For-Smart-Cities.pptx
+++ b/Homework/Paper 1/Matthew_MBSE-Driven-IoT-For-Smart-Cities.pptx
@@ -5,7 +5,7 @@
     <p:sldMasterId id="2147483648" r:id="rId4"/>
   </p:sldMasterIdLst>
   <p:notesMasterIdLst>
-    <p:notesMasterId r:id="rId15"/>
+    <p:notesMasterId r:id="rId16"/>
   </p:notesMasterIdLst>
   <p:sldIdLst>
     <p:sldId id="259" r:id="rId5"/>
@@ -13,11 +13,12 @@
     <p:sldId id="260" r:id="rId7"/>
     <p:sldId id="261" r:id="rId8"/>
     <p:sldId id="263" r:id="rId9"/>
-    <p:sldId id="264" r:id="rId10"/>
-    <p:sldId id="265" r:id="rId11"/>
-    <p:sldId id="266" r:id="rId12"/>
-    <p:sldId id="262" r:id="rId13"/>
-    <p:sldId id="267" r:id="rId14"/>
+    <p:sldId id="262" r:id="rId10"/>
+    <p:sldId id="264" r:id="rId11"/>
+    <p:sldId id="269" r:id="rId12"/>
+    <p:sldId id="265" r:id="rId13"/>
+    <p:sldId id="266" r:id="rId14"/>
+    <p:sldId id="267" r:id="rId15"/>
   </p:sldIdLst>
   <p:sldSz cx="12192000" cy="6858000"/>
   <p:notesSz cx="6858000" cy="9144000"/>
@@ -206,7 +207,7 @@
           <a:p>
             <a:fld id="{0D8968FE-AD3D-444F-B6A8-796D946DC3A6}" type="datetimeFigureOut">
               <a:rPr lang="en-US" smtClean="0"/>
-              <a:t>2/20/2020</a:t>
+              <a:t>2/24/20</a:t>
             </a:fld>
             <a:endParaRPr lang="en-US" dirty="0"/>
           </a:p>
@@ -1775,7 +1776,7 @@
           </a:lstStyle>
           <a:p>
             <a:r>
-              <a:rPr lang="en-US" smtClean="0"/>
+              <a:rPr lang="en-US"/>
               <a:t>Click to edit Master title style</a:t>
             </a:r>
             <a:endParaRPr lang="en-US" dirty="0"/>
@@ -1849,7 +1850,7 @@
           </a:lstStyle>
           <a:p>
             <a:r>
-              <a:rPr lang="en-US" smtClean="0"/>
+              <a:rPr lang="en-US"/>
               <a:t>Click to edit Master subtitle style</a:t>
             </a:r>
             <a:endParaRPr lang="en-US" dirty="0"/>
@@ -1882,7 +1883,7 @@
           <a:p>
             <a:fld id="{198E66DD-51B1-4BF7-9539-DEA51BFAEFD8}" type="datetime1">
               <a:rPr lang="en-US" smtClean="0"/>
-              <a:t>2/20/2020</a:t>
+              <a:t>2/24/20</a:t>
             </a:fld>
             <a:endParaRPr lang="en-US" dirty="0"/>
           </a:p>
@@ -3255,7 +3256,7 @@
           </a:lstStyle>
           <a:p>
             <a:r>
-              <a:rPr lang="en-US" smtClean="0"/>
+              <a:rPr lang="en-US"/>
               <a:t>Click to edit Master title style</a:t>
             </a:r>
             <a:endParaRPr lang="en-US" dirty="0"/>
@@ -3284,35 +3285,35 @@
           <a:p>
             <a:pPr lvl="0"/>
             <a:r>
-              <a:rPr lang="en-US" smtClean="0"/>
+              <a:rPr lang="en-US"/>
               <a:t>Edit Master text styles</a:t>
             </a:r>
           </a:p>
           <a:p>
             <a:pPr lvl="1"/>
             <a:r>
-              <a:rPr lang="en-US" smtClean="0"/>
+              <a:rPr lang="en-US"/>
               <a:t>Second level</a:t>
             </a:r>
           </a:p>
           <a:p>
             <a:pPr lvl="2"/>
             <a:r>
-              <a:rPr lang="en-US" smtClean="0"/>
+              <a:rPr lang="en-US"/>
               <a:t>Third level</a:t>
             </a:r>
           </a:p>
           <a:p>
             <a:pPr lvl="3"/>
             <a:r>
-              <a:rPr lang="en-US" smtClean="0"/>
+              <a:rPr lang="en-US"/>
               <a:t>Fourth level</a:t>
             </a:r>
           </a:p>
           <a:p>
             <a:pPr lvl="4"/>
             <a:r>
-              <a:rPr lang="en-US" smtClean="0"/>
+              <a:rPr lang="en-US"/>
               <a:t>Fifth level</a:t>
             </a:r>
             <a:endParaRPr lang="en-US" dirty="0"/>
@@ -3336,7 +3337,7 @@
           <a:p>
             <a:fld id="{827A6260-7573-4697-9E59-AA19A1D5C255}" type="datetime1">
               <a:rPr lang="en-US" smtClean="0"/>
-              <a:t>2/20/2020</a:t>
+              <a:t>2/24/20</a:t>
             </a:fld>
             <a:endParaRPr lang="en-US" dirty="0"/>
           </a:p>
@@ -4698,7 +4699,7 @@
           </a:lstStyle>
           <a:p>
             <a:r>
-              <a:rPr lang="en-US" smtClean="0"/>
+              <a:rPr lang="en-US"/>
               <a:t>Click to edit Master title style</a:t>
             </a:r>
             <a:endParaRPr lang="en-US" dirty="0"/>
@@ -4727,35 +4728,35 @@
           <a:p>
             <a:pPr lvl="0"/>
             <a:r>
-              <a:rPr lang="en-US" smtClean="0"/>
+              <a:rPr lang="en-US"/>
               <a:t>Edit Master text styles</a:t>
             </a:r>
           </a:p>
           <a:p>
             <a:pPr lvl="1"/>
             <a:r>
-              <a:rPr lang="en-US" smtClean="0"/>
+              <a:rPr lang="en-US"/>
               <a:t>Second level</a:t>
             </a:r>
           </a:p>
           <a:p>
             <a:pPr lvl="2"/>
             <a:r>
-              <a:rPr lang="en-US" smtClean="0"/>
+              <a:rPr lang="en-US"/>
               <a:t>Third level</a:t>
             </a:r>
           </a:p>
           <a:p>
             <a:pPr lvl="3"/>
             <a:r>
-              <a:rPr lang="en-US" smtClean="0"/>
+              <a:rPr lang="en-US"/>
               <a:t>Fourth level</a:t>
             </a:r>
           </a:p>
           <a:p>
             <a:pPr lvl="4"/>
             <a:r>
-              <a:rPr lang="en-US" smtClean="0"/>
+              <a:rPr lang="en-US"/>
               <a:t>Fifth level</a:t>
             </a:r>
             <a:endParaRPr lang="en-US" dirty="0"/>
@@ -4784,7 +4785,7 @@
           <a:p>
             <a:fld id="{AB049DE4-AD7B-432F-9E35-775F5F8CC6AD}" type="datetime1">
               <a:rPr lang="en-US" smtClean="0"/>
-              <a:t>2/20/2020</a:t>
+              <a:t>2/24/20</a:t>
             </a:fld>
             <a:endParaRPr lang="en-US" dirty="0"/>
           </a:p>
@@ -6153,7 +6154,7 @@
           </a:lstStyle>
           <a:p>
             <a:r>
-              <a:rPr lang="en-US" smtClean="0"/>
+              <a:rPr lang="en-US"/>
               <a:t>Click to edit Master title style</a:t>
             </a:r>
             <a:endParaRPr lang="en-US" dirty="0"/>
@@ -6182,35 +6183,35 @@
           <a:p>
             <a:pPr lvl="0"/>
             <a:r>
-              <a:rPr lang="en-US" smtClean="0"/>
+              <a:rPr lang="en-US"/>
               <a:t>Edit Master text styles</a:t>
             </a:r>
           </a:p>
           <a:p>
             <a:pPr lvl="1"/>
             <a:r>
-              <a:rPr lang="en-US" smtClean="0"/>
+              <a:rPr lang="en-US"/>
               <a:t>Second level</a:t>
             </a:r>
           </a:p>
           <a:p>
             <a:pPr lvl="2"/>
             <a:r>
-              <a:rPr lang="en-US" smtClean="0"/>
+              <a:rPr lang="en-US"/>
               <a:t>Third level</a:t>
             </a:r>
           </a:p>
           <a:p>
             <a:pPr lvl="3"/>
             <a:r>
-              <a:rPr lang="en-US" smtClean="0"/>
+              <a:rPr lang="en-US"/>
               <a:t>Fourth level</a:t>
             </a:r>
           </a:p>
           <a:p>
             <a:pPr lvl="4"/>
             <a:r>
-              <a:rPr lang="en-US" smtClean="0"/>
+              <a:rPr lang="en-US"/>
               <a:t>Fifth level</a:t>
             </a:r>
             <a:endParaRPr lang="en-US" dirty="0"/>
@@ -6234,7 +6235,7 @@
           <a:p>
             <a:fld id="{CED204F4-028A-4A36-B306-1FBAFF258B24}" type="datetime1">
               <a:rPr lang="en-US" smtClean="0"/>
-              <a:t>2/20/2020</a:t>
+              <a:t>2/24/20</a:t>
             </a:fld>
             <a:endParaRPr lang="en-US" dirty="0"/>
           </a:p>
@@ -7589,7 +7590,7 @@
           </a:lstStyle>
           <a:p>
             <a:r>
-              <a:rPr lang="en-US" smtClean="0"/>
+              <a:rPr lang="en-US"/>
               <a:t>Click to edit Master title style</a:t>
             </a:r>
             <a:endParaRPr lang="en-US" dirty="0"/>
@@ -7709,7 +7710,7 @@
           <a:p>
             <a:pPr lvl="0"/>
             <a:r>
-              <a:rPr lang="en-US" smtClean="0"/>
+              <a:rPr lang="en-US"/>
               <a:t>Edit Master text styles</a:t>
             </a:r>
           </a:p>
@@ -7737,7 +7738,7 @@
           <a:p>
             <a:fld id="{A7569E6D-812C-4C70-BB51-98F32992DB43}" type="datetime1">
               <a:rPr lang="en-US" smtClean="0"/>
-              <a:t>2/20/2020</a:t>
+              <a:t>2/24/20</a:t>
             </a:fld>
             <a:endParaRPr lang="en-US" dirty="0"/>
           </a:p>
@@ -9110,7 +9111,7 @@
           </a:lstStyle>
           <a:p>
             <a:r>
-              <a:rPr lang="en-US" smtClean="0"/>
+              <a:rPr lang="en-US"/>
               <a:t>Click to edit Master title style</a:t>
             </a:r>
             <a:endParaRPr lang="en-US" dirty="0"/>
@@ -9139,35 +9140,35 @@
           <a:p>
             <a:pPr lvl="0"/>
             <a:r>
-              <a:rPr lang="en-US" smtClean="0"/>
+              <a:rPr lang="en-US"/>
               <a:t>Edit Master text styles</a:t>
             </a:r>
           </a:p>
           <a:p>
             <a:pPr lvl="1"/>
             <a:r>
-              <a:rPr lang="en-US" smtClean="0"/>
+              <a:rPr lang="en-US"/>
               <a:t>Second level</a:t>
             </a:r>
           </a:p>
           <a:p>
             <a:pPr lvl="2"/>
             <a:r>
-              <a:rPr lang="en-US" smtClean="0"/>
+              <a:rPr lang="en-US"/>
               <a:t>Third level</a:t>
             </a:r>
           </a:p>
           <a:p>
             <a:pPr lvl="3"/>
             <a:r>
-              <a:rPr lang="en-US" smtClean="0"/>
+              <a:rPr lang="en-US"/>
               <a:t>Fourth level</a:t>
             </a:r>
           </a:p>
           <a:p>
             <a:pPr lvl="4"/>
             <a:r>
-              <a:rPr lang="en-US" smtClean="0"/>
+              <a:rPr lang="en-US"/>
               <a:t>Fifth level</a:t>
             </a:r>
             <a:endParaRPr lang="en-US" dirty="0"/>
@@ -9196,35 +9197,35 @@
           <a:p>
             <a:pPr lvl="0"/>
             <a:r>
-              <a:rPr lang="en-US" smtClean="0"/>
+              <a:rPr lang="en-US"/>
               <a:t>Edit Master text styles</a:t>
             </a:r>
           </a:p>
           <a:p>
             <a:pPr lvl="1"/>
             <a:r>
-              <a:rPr lang="en-US" smtClean="0"/>
+              <a:rPr lang="en-US"/>
               <a:t>Second level</a:t>
             </a:r>
           </a:p>
           <a:p>
             <a:pPr lvl="2"/>
             <a:r>
-              <a:rPr lang="en-US" smtClean="0"/>
+              <a:rPr lang="en-US"/>
               <a:t>Third level</a:t>
             </a:r>
           </a:p>
           <a:p>
             <a:pPr lvl="3"/>
             <a:r>
-              <a:rPr lang="en-US" smtClean="0"/>
+              <a:rPr lang="en-US"/>
               <a:t>Fourth level</a:t>
             </a:r>
           </a:p>
           <a:p>
             <a:pPr lvl="4"/>
             <a:r>
-              <a:rPr lang="en-US" smtClean="0"/>
+              <a:rPr lang="en-US"/>
               <a:t>Fifth level</a:t>
             </a:r>
             <a:endParaRPr lang="en-US" dirty="0"/>
@@ -9253,7 +9254,7 @@
           <a:p>
             <a:fld id="{F10287DF-640A-4181-8B82-4913718EF244}" type="datetime1">
               <a:rPr lang="en-US" smtClean="0"/>
-              <a:t>2/20/2020</a:t>
+              <a:t>2/24/20</a:t>
             </a:fld>
             <a:endParaRPr lang="en-US" dirty="0"/>
           </a:p>
@@ -10622,7 +10623,7 @@
           </a:lstStyle>
           <a:p>
             <a:r>
-              <a:rPr lang="en-US" smtClean="0"/>
+              <a:rPr lang="en-US"/>
               <a:t>Click to edit Master title style</a:t>
             </a:r>
             <a:endParaRPr lang="en-US" dirty="0"/>
@@ -10697,7 +10698,7 @@
           <a:p>
             <a:pPr lvl="0"/>
             <a:r>
-              <a:rPr lang="en-US" smtClean="0"/>
+              <a:rPr lang="en-US"/>
               <a:t>Edit Master text styles</a:t>
             </a:r>
           </a:p>
@@ -10725,35 +10726,35 @@
           <a:p>
             <a:pPr lvl="0"/>
             <a:r>
-              <a:rPr lang="en-US" smtClean="0"/>
+              <a:rPr lang="en-US"/>
               <a:t>Edit Master text styles</a:t>
             </a:r>
           </a:p>
           <a:p>
             <a:pPr lvl="1"/>
             <a:r>
-              <a:rPr lang="en-US" smtClean="0"/>
+              <a:rPr lang="en-US"/>
               <a:t>Second level</a:t>
             </a:r>
           </a:p>
           <a:p>
             <a:pPr lvl="2"/>
             <a:r>
-              <a:rPr lang="en-US" smtClean="0"/>
+              <a:rPr lang="en-US"/>
               <a:t>Third level</a:t>
             </a:r>
           </a:p>
           <a:p>
             <a:pPr lvl="3"/>
             <a:r>
-              <a:rPr lang="en-US" smtClean="0"/>
+              <a:rPr lang="en-US"/>
               <a:t>Fourth level</a:t>
             </a:r>
           </a:p>
           <a:p>
             <a:pPr lvl="4"/>
             <a:r>
-              <a:rPr lang="en-US" smtClean="0"/>
+              <a:rPr lang="en-US"/>
               <a:t>Fifth level</a:t>
             </a:r>
             <a:endParaRPr lang="en-US" dirty="0"/>
@@ -10828,7 +10829,7 @@
           <a:p>
             <a:pPr lvl="0"/>
             <a:r>
-              <a:rPr lang="en-US" smtClean="0"/>
+              <a:rPr lang="en-US"/>
               <a:t>Edit Master text styles</a:t>
             </a:r>
           </a:p>
@@ -10856,35 +10857,35 @@
           <a:p>
             <a:pPr lvl="0"/>
             <a:r>
-              <a:rPr lang="en-US" smtClean="0"/>
+              <a:rPr lang="en-US"/>
               <a:t>Edit Master text styles</a:t>
             </a:r>
           </a:p>
           <a:p>
             <a:pPr lvl="1"/>
             <a:r>
-              <a:rPr lang="en-US" smtClean="0"/>
+              <a:rPr lang="en-US"/>
               <a:t>Second level</a:t>
             </a:r>
           </a:p>
           <a:p>
             <a:pPr lvl="2"/>
             <a:r>
-              <a:rPr lang="en-US" smtClean="0"/>
+              <a:rPr lang="en-US"/>
               <a:t>Third level</a:t>
             </a:r>
           </a:p>
           <a:p>
             <a:pPr lvl="3"/>
             <a:r>
-              <a:rPr lang="en-US" smtClean="0"/>
+              <a:rPr lang="en-US"/>
               <a:t>Fourth level</a:t>
             </a:r>
           </a:p>
           <a:p>
             <a:pPr lvl="4"/>
             <a:r>
-              <a:rPr lang="en-US" smtClean="0"/>
+              <a:rPr lang="en-US"/>
               <a:t>Fifth level</a:t>
             </a:r>
             <a:endParaRPr lang="en-US" dirty="0"/>
@@ -10913,7 +10914,7 @@
           <a:p>
             <a:fld id="{C74BE3E1-3173-4AB6-90EF-CE84B9FBD77E}" type="datetime1">
               <a:rPr lang="en-US" smtClean="0"/>
-              <a:t>2/20/2020</a:t>
+              <a:t>2/24/20</a:t>
             </a:fld>
             <a:endParaRPr lang="en-US" dirty="0"/>
           </a:p>
@@ -12282,7 +12283,7 @@
           </a:lstStyle>
           <a:p>
             <a:r>
-              <a:rPr lang="en-US" smtClean="0"/>
+              <a:rPr lang="en-US"/>
               <a:t>Click to edit Master title style</a:t>
             </a:r>
             <a:endParaRPr lang="en-US" dirty="0"/>
@@ -12306,7 +12307,7 @@
           <a:p>
             <a:fld id="{CE46D357-68ED-48AA-AC18-9CC27DEA9490}" type="datetime1">
               <a:rPr lang="en-US" smtClean="0"/>
-              <a:t>2/20/2020</a:t>
+              <a:t>2/24/20</a:t>
             </a:fld>
             <a:endParaRPr lang="en-US" dirty="0"/>
           </a:p>
@@ -12401,7 +12402,7 @@
           <a:p>
             <a:fld id="{ACC8BAEE-D0AF-4323-A024-1416F995B386}" type="datetime1">
               <a:rPr lang="en-US" smtClean="0"/>
-              <a:t>2/20/2020</a:t>
+              <a:t>2/24/20</a:t>
             </a:fld>
             <a:endParaRPr lang="en-US" dirty="0"/>
           </a:p>
@@ -13772,7 +13773,7 @@
           </a:lstStyle>
           <a:p>
             <a:r>
-              <a:rPr lang="en-US" smtClean="0"/>
+              <a:rPr lang="en-US"/>
               <a:t>Click to edit Master title style</a:t>
             </a:r>
             <a:endParaRPr lang="en-US" dirty="0"/>
@@ -13801,35 +13802,35 @@
           <a:p>
             <a:pPr lvl="0"/>
             <a:r>
-              <a:rPr lang="en-US" smtClean="0"/>
+              <a:rPr lang="en-US"/>
               <a:t>Edit Master text styles</a:t>
             </a:r>
           </a:p>
           <a:p>
             <a:pPr lvl="1"/>
             <a:r>
-              <a:rPr lang="en-US" smtClean="0"/>
+              <a:rPr lang="en-US"/>
               <a:t>Second level</a:t>
             </a:r>
           </a:p>
           <a:p>
             <a:pPr lvl="2"/>
             <a:r>
-              <a:rPr lang="en-US" smtClean="0"/>
+              <a:rPr lang="en-US"/>
               <a:t>Third level</a:t>
             </a:r>
           </a:p>
           <a:p>
             <a:pPr lvl="3"/>
             <a:r>
-              <a:rPr lang="en-US" smtClean="0"/>
+              <a:rPr lang="en-US"/>
               <a:t>Fourth level</a:t>
             </a:r>
           </a:p>
           <a:p>
             <a:pPr lvl="4"/>
             <a:r>
-              <a:rPr lang="en-US" smtClean="0"/>
+              <a:rPr lang="en-US"/>
               <a:t>Fifth level</a:t>
             </a:r>
             <a:endParaRPr lang="en-US" dirty="0"/>
@@ -13899,7 +13900,7 @@
           <a:p>
             <a:pPr lvl="0"/>
             <a:r>
-              <a:rPr lang="en-US" smtClean="0"/>
+              <a:rPr lang="en-US"/>
               <a:t>Edit Master text styles</a:t>
             </a:r>
           </a:p>
@@ -13922,7 +13923,7 @@
           <a:p>
             <a:fld id="{CD36E0D4-CA65-4DD1-8546-2CC4E75B8B9D}" type="datetime1">
               <a:rPr lang="en-US" smtClean="0"/>
-              <a:t>2/20/2020</a:t>
+              <a:t>2/24/20</a:t>
             </a:fld>
             <a:endParaRPr lang="en-US" dirty="0"/>
           </a:p>
@@ -15315,7 +15316,7 @@
           </a:lstStyle>
           <a:p>
             <a:r>
-              <a:rPr lang="en-US" smtClean="0"/>
+              <a:rPr lang="en-US"/>
               <a:t>Click icon to add picture</a:t>
             </a:r>
             <a:endParaRPr lang="en-US" dirty="0"/>
@@ -15353,7 +15354,7 @@
           </a:lstStyle>
           <a:p>
             <a:r>
-              <a:rPr lang="en-US" smtClean="0"/>
+              <a:rPr lang="en-US"/>
               <a:t>Click to edit Master title style</a:t>
             </a:r>
             <a:endParaRPr lang="en-US" dirty="0"/>
@@ -15425,7 +15426,7 @@
           <a:p>
             <a:pPr lvl="0"/>
             <a:r>
-              <a:rPr lang="en-US" smtClean="0"/>
+              <a:rPr lang="en-US"/>
               <a:t>Edit Master text styles</a:t>
             </a:r>
           </a:p>
@@ -15453,7 +15454,7 @@
           <a:p>
             <a:fld id="{C19DEFE7-E1FA-4CA7-8A5A-F9AB210CE638}" type="datetime1">
               <a:rPr lang="en-US" smtClean="0"/>
-              <a:t>2/20/2020</a:t>
+              <a:t>2/24/20</a:t>
             </a:fld>
             <a:endParaRPr lang="en-US" dirty="0"/>
           </a:p>
@@ -15567,7 +15568,7 @@
           <a:lstStyle/>
           <a:p>
             <a:r>
-              <a:rPr lang="en-US" smtClean="0"/>
+              <a:rPr lang="en-US"/>
               <a:t>Click to edit Master title style</a:t>
             </a:r>
             <a:endParaRPr lang="en-US" dirty="0"/>
@@ -15601,35 +15602,35 @@
           <a:p>
             <a:pPr lvl="0"/>
             <a:r>
-              <a:rPr lang="en-US" smtClean="0"/>
+              <a:rPr lang="en-US"/>
               <a:t>Edit Master text styles</a:t>
             </a:r>
           </a:p>
           <a:p>
             <a:pPr lvl="1"/>
             <a:r>
-              <a:rPr lang="en-US" smtClean="0"/>
+              <a:rPr lang="en-US"/>
               <a:t>Second level</a:t>
             </a:r>
           </a:p>
           <a:p>
             <a:pPr lvl="2"/>
             <a:r>
-              <a:rPr lang="en-US" smtClean="0"/>
+              <a:rPr lang="en-US"/>
               <a:t>Third level</a:t>
             </a:r>
           </a:p>
           <a:p>
             <a:pPr lvl="3"/>
             <a:r>
-              <a:rPr lang="en-US" smtClean="0"/>
+              <a:rPr lang="en-US"/>
               <a:t>Fourth level</a:t>
             </a:r>
           </a:p>
           <a:p>
             <a:pPr lvl="4"/>
             <a:r>
-              <a:rPr lang="en-US" smtClean="0"/>
+              <a:rPr lang="en-US"/>
               <a:t>Fifth level</a:t>
             </a:r>
             <a:endParaRPr lang="en-US" dirty="0"/>
@@ -15671,7 +15672,7 @@
           <a:p>
             <a:fld id="{FD1E3FCC-785C-4EC4-B782-9133218B75DD}" type="datetime1">
               <a:rPr lang="en-US" smtClean="0"/>
-              <a:t>2/20/2020</a:t>
+              <a:t>2/24/20</a:t>
             </a:fld>
             <a:endParaRPr lang="en-US" dirty="0"/>
           </a:p>
@@ -16135,7 +16136,7 @@
                 <a16:creationId xmlns:a16="http://schemas.microsoft.com/office/drawing/2014/main" id="{6BDBA639-2A71-4A60-A71A-FF1836F546CE}"/>
               </a:ext>
               <a:ext uri="{C183D7F6-B498-43B3-948B-1728B52AA6E4}">
-                <adec:decorative xmlns:adec="http://schemas.microsoft.com/office/drawing/2017/decorative" xmlns="" val="1"/>
+                <adec:decorative xmlns:adec="http://schemas.microsoft.com/office/drawing/2017/decorative" val="1"/>
               </a:ext>
             </a:extLst>
           </p:cNvPr>
@@ -16195,7 +16196,7 @@
                 <a16:creationId xmlns:a16="http://schemas.microsoft.com/office/drawing/2014/main" id="{5E208A8B-5EBD-4532-BE72-26414FA7CFF6}"/>
               </a:ext>
               <a:ext uri="{C183D7F6-B498-43B3-948B-1728B52AA6E4}">
-                <adec:decorative xmlns:adec="http://schemas.microsoft.com/office/drawing/2017/decorative" xmlns="" val="1"/>
+                <adec:decorative xmlns:adec="http://schemas.microsoft.com/office/drawing/2017/decorative" val="1"/>
               </a:ext>
             </a:extLst>
           </p:cNvPr>
@@ -16226,7 +16227,7 @@
                   <a16:creationId xmlns:a16="http://schemas.microsoft.com/office/drawing/2014/main" id="{15D09196-B338-4AB5-A71B-CFD5FFCA62BA}"/>
                 </a:ext>
                 <a:ext uri="{C183D7F6-B498-43B3-948B-1728B52AA6E4}">
-                  <adec:decorative xmlns:adec="http://schemas.microsoft.com/office/drawing/2017/decorative" xmlns="" val="1"/>
+                  <adec:decorative xmlns:adec="http://schemas.microsoft.com/office/drawing/2017/decorative" val="1"/>
                 </a:ext>
               </a:extLst>
             </p:cNvPr>
@@ -16309,7 +16310,7 @@
                   <a16:creationId xmlns:a16="http://schemas.microsoft.com/office/drawing/2014/main" id="{F50B4463-128A-4677-A285-C017E6C543E0}"/>
                 </a:ext>
                 <a:ext uri="{C183D7F6-B498-43B3-948B-1728B52AA6E4}">
-                  <adec:decorative xmlns:adec="http://schemas.microsoft.com/office/drawing/2017/decorative" xmlns="" val="1"/>
+                  <adec:decorative xmlns:adec="http://schemas.microsoft.com/office/drawing/2017/decorative" val="1"/>
                 </a:ext>
               </a:extLst>
             </p:cNvPr>
@@ -16392,7 +16393,7 @@
                   <a16:creationId xmlns:a16="http://schemas.microsoft.com/office/drawing/2014/main" id="{1D9B95CD-F023-4DFA-9678-1E02713F74B7}"/>
                 </a:ext>
                 <a:ext uri="{C183D7F6-B498-43B3-948B-1728B52AA6E4}">
-                  <adec:decorative xmlns:adec="http://schemas.microsoft.com/office/drawing/2017/decorative" xmlns="" val="1"/>
+                  <adec:decorative xmlns:adec="http://schemas.microsoft.com/office/drawing/2017/decorative" val="1"/>
                 </a:ext>
               </a:extLst>
             </p:cNvPr>
@@ -16480,7 +16481,7 @@
                   <a16:creationId xmlns:a16="http://schemas.microsoft.com/office/drawing/2014/main" id="{1DDF47A8-BE7B-43F3-A500-F5A4656D83BE}"/>
                 </a:ext>
                 <a:ext uri="{C183D7F6-B498-43B3-948B-1728B52AA6E4}">
-                  <adec:decorative xmlns:adec="http://schemas.microsoft.com/office/drawing/2017/decorative" xmlns="" val="1"/>
+                  <adec:decorative xmlns:adec="http://schemas.microsoft.com/office/drawing/2017/decorative" val="1"/>
                 </a:ext>
               </a:extLst>
             </p:cNvPr>
@@ -16558,7 +16559,7 @@
                   <a16:creationId xmlns:a16="http://schemas.microsoft.com/office/drawing/2014/main" id="{2DD394DE-76FB-42F8-85F2-FD436F423263}"/>
                 </a:ext>
                 <a:ext uri="{C183D7F6-B498-43B3-948B-1728B52AA6E4}">
-                  <adec:decorative xmlns:adec="http://schemas.microsoft.com/office/drawing/2017/decorative" xmlns="" val="1"/>
+                  <adec:decorative xmlns:adec="http://schemas.microsoft.com/office/drawing/2017/decorative" val="1"/>
                 </a:ext>
               </a:extLst>
             </p:cNvPr>
@@ -16626,7 +16627,7 @@
                   <a16:creationId xmlns:a16="http://schemas.microsoft.com/office/drawing/2014/main" id="{B95F2EFB-87E6-4400-AAF3-7EB8B4F1561C}"/>
                 </a:ext>
                 <a:ext uri="{C183D7F6-B498-43B3-948B-1728B52AA6E4}">
-                  <adec:decorative xmlns:adec="http://schemas.microsoft.com/office/drawing/2017/decorative" xmlns="" val="1"/>
+                  <adec:decorative xmlns:adec="http://schemas.microsoft.com/office/drawing/2017/decorative" val="1"/>
                 </a:ext>
               </a:extLst>
             </p:cNvPr>
@@ -16704,7 +16705,7 @@
                   <a16:creationId xmlns:a16="http://schemas.microsoft.com/office/drawing/2014/main" id="{1D463476-2BC7-418C-9D6F-51444B11A722}"/>
                 </a:ext>
                 <a:ext uri="{C183D7F6-B498-43B3-948B-1728B52AA6E4}">
-                  <adec:decorative xmlns:adec="http://schemas.microsoft.com/office/drawing/2017/decorative" xmlns="" val="1"/>
+                  <adec:decorative xmlns:adec="http://schemas.microsoft.com/office/drawing/2017/decorative" val="1"/>
                 </a:ext>
               </a:extLst>
             </p:cNvPr>
@@ -16777,7 +16778,7 @@
                   <a16:creationId xmlns:a16="http://schemas.microsoft.com/office/drawing/2014/main" id="{24011122-2495-478A-81BF-ABBDEA1DA803}"/>
                 </a:ext>
                 <a:ext uri="{C183D7F6-B498-43B3-948B-1728B52AA6E4}">
-                  <adec:decorative xmlns:adec="http://schemas.microsoft.com/office/drawing/2017/decorative" xmlns="" val="1"/>
+                  <adec:decorative xmlns:adec="http://schemas.microsoft.com/office/drawing/2017/decorative" val="1"/>
                 </a:ext>
               </a:extLst>
             </p:cNvPr>
@@ -16845,7 +16846,7 @@
                   <a16:creationId xmlns:a16="http://schemas.microsoft.com/office/drawing/2014/main" id="{C79E87C5-E5B3-476B-B539-FC9CF4A33B72}"/>
                 </a:ext>
                 <a:ext uri="{C183D7F6-B498-43B3-948B-1728B52AA6E4}">
-                  <adec:decorative xmlns:adec="http://schemas.microsoft.com/office/drawing/2017/decorative" xmlns="" val="1"/>
+                  <adec:decorative xmlns:adec="http://schemas.microsoft.com/office/drawing/2017/decorative" val="1"/>
                 </a:ext>
               </a:extLst>
             </p:cNvPr>
@@ -16918,7 +16919,7 @@
                   <a16:creationId xmlns:a16="http://schemas.microsoft.com/office/drawing/2014/main" id="{956029CA-2B38-434D-9044-5FF3A1ECD17D}"/>
                 </a:ext>
                 <a:ext uri="{C183D7F6-B498-43B3-948B-1728B52AA6E4}">
-                  <adec:decorative xmlns:adec="http://schemas.microsoft.com/office/drawing/2017/decorative" xmlns="" val="1"/>
+                  <adec:decorative xmlns:adec="http://schemas.microsoft.com/office/drawing/2017/decorative" val="1"/>
                 </a:ext>
               </a:extLst>
             </p:cNvPr>
@@ -16986,7 +16987,7 @@
                   <a16:creationId xmlns:a16="http://schemas.microsoft.com/office/drawing/2014/main" id="{9514CFB6-E8DB-43DC-B1CD-9CC2D4B27647}"/>
                 </a:ext>
                 <a:ext uri="{C183D7F6-B498-43B3-948B-1728B52AA6E4}">
-                  <adec:decorative xmlns:adec="http://schemas.microsoft.com/office/drawing/2017/decorative" xmlns="" val="1"/>
+                  <adec:decorative xmlns:adec="http://schemas.microsoft.com/office/drawing/2017/decorative" val="1"/>
                 </a:ext>
               </a:extLst>
             </p:cNvPr>
@@ -17059,7 +17060,7 @@
                   <a16:creationId xmlns:a16="http://schemas.microsoft.com/office/drawing/2014/main" id="{BD8C1FC8-E550-45BE-9F30-822BAB3781EE}"/>
                 </a:ext>
                 <a:ext uri="{C183D7F6-B498-43B3-948B-1728B52AA6E4}">
-                  <adec:decorative xmlns:adec="http://schemas.microsoft.com/office/drawing/2017/decorative" xmlns="" val="1"/>
+                  <adec:decorative xmlns:adec="http://schemas.microsoft.com/office/drawing/2017/decorative" val="1"/>
                 </a:ext>
               </a:extLst>
             </p:cNvPr>
@@ -17127,7 +17128,7 @@
                   <a16:creationId xmlns:a16="http://schemas.microsoft.com/office/drawing/2014/main" id="{D1646B5D-A7B7-41EC-9591-0E0C0F4F949D}"/>
                 </a:ext>
                 <a:ext uri="{C183D7F6-B498-43B3-948B-1728B52AA6E4}">
-                  <adec:decorative xmlns:adec="http://schemas.microsoft.com/office/drawing/2017/decorative" xmlns="" val="1"/>
+                  <adec:decorative xmlns:adec="http://schemas.microsoft.com/office/drawing/2017/decorative" val="1"/>
                 </a:ext>
               </a:extLst>
             </p:cNvPr>
@@ -17200,7 +17201,7 @@
                   <a16:creationId xmlns:a16="http://schemas.microsoft.com/office/drawing/2014/main" id="{E2118E93-481E-4843-987E-378187AA37EF}"/>
                 </a:ext>
                 <a:ext uri="{C183D7F6-B498-43B3-948B-1728B52AA6E4}">
-                  <adec:decorative xmlns:adec="http://schemas.microsoft.com/office/drawing/2017/decorative" xmlns="" val="1"/>
+                  <adec:decorative xmlns:adec="http://schemas.microsoft.com/office/drawing/2017/decorative" val="1"/>
                 </a:ext>
               </a:extLst>
             </p:cNvPr>
@@ -17273,7 +17274,7 @@
                   <a16:creationId xmlns:a16="http://schemas.microsoft.com/office/drawing/2014/main" id="{77038464-F4E2-47EC-A87F-18469191E3AB}"/>
                 </a:ext>
                 <a:ext uri="{C183D7F6-B498-43B3-948B-1728B52AA6E4}">
-                  <adec:decorative xmlns:adec="http://schemas.microsoft.com/office/drawing/2017/decorative" xmlns="" val="1"/>
+                  <adec:decorative xmlns:adec="http://schemas.microsoft.com/office/drawing/2017/decorative" val="1"/>
                 </a:ext>
               </a:extLst>
             </p:cNvPr>
@@ -17346,7 +17347,7 @@
                   <a16:creationId xmlns:a16="http://schemas.microsoft.com/office/drawing/2014/main" id="{FB3BBEB1-E146-408F-95B7-EE2F269DE19E}"/>
                 </a:ext>
                 <a:ext uri="{C183D7F6-B498-43B3-948B-1728B52AA6E4}">
-                  <adec:decorative xmlns:adec="http://schemas.microsoft.com/office/drawing/2017/decorative" xmlns="" val="1"/>
+                  <adec:decorative xmlns:adec="http://schemas.microsoft.com/office/drawing/2017/decorative" val="1"/>
                 </a:ext>
               </a:extLst>
             </p:cNvPr>
@@ -17414,7 +17415,7 @@
                   <a16:creationId xmlns:a16="http://schemas.microsoft.com/office/drawing/2014/main" id="{C765B285-56EC-47FC-B116-274EBBD61ADC}"/>
                 </a:ext>
                 <a:ext uri="{C183D7F6-B498-43B3-948B-1728B52AA6E4}">
-                  <adec:decorative xmlns:adec="http://schemas.microsoft.com/office/drawing/2017/decorative" xmlns="" val="1"/>
+                  <adec:decorative xmlns:adec="http://schemas.microsoft.com/office/drawing/2017/decorative" val="1"/>
                 </a:ext>
               </a:extLst>
             </p:cNvPr>
@@ -17482,7 +17483,7 @@
                   <a16:creationId xmlns:a16="http://schemas.microsoft.com/office/drawing/2014/main" id="{CB4A6191-6913-42EA-905E-8A174AE2C994}"/>
                 </a:ext>
                 <a:ext uri="{C183D7F6-B498-43B3-948B-1728B52AA6E4}">
-                  <adec:decorative xmlns:adec="http://schemas.microsoft.com/office/drawing/2017/decorative" xmlns="" val="1"/>
+                  <adec:decorative xmlns:adec="http://schemas.microsoft.com/office/drawing/2017/decorative" val="1"/>
                 </a:ext>
               </a:extLst>
             </p:cNvPr>
@@ -17550,7 +17551,7 @@
                   <a16:creationId xmlns:a16="http://schemas.microsoft.com/office/drawing/2014/main" id="{8ADEEF92-F481-475A-845C-5E940F0D5594}"/>
                 </a:ext>
                 <a:ext uri="{C183D7F6-B498-43B3-948B-1728B52AA6E4}">
-                  <adec:decorative xmlns:adec="http://schemas.microsoft.com/office/drawing/2017/decorative" xmlns="" val="1"/>
+                  <adec:decorative xmlns:adec="http://schemas.microsoft.com/office/drawing/2017/decorative" val="1"/>
                 </a:ext>
               </a:extLst>
             </p:cNvPr>
@@ -17619,7 +17620,7 @@
                 <a16:creationId xmlns:a16="http://schemas.microsoft.com/office/drawing/2014/main" id="{D9C506D7-84CB-4057-A44A-465313E78538}"/>
               </a:ext>
               <a:ext uri="{C183D7F6-B498-43B3-948B-1728B52AA6E4}">
-                <adec:decorative xmlns:adec="http://schemas.microsoft.com/office/drawing/2017/decorative" xmlns="" val="1"/>
+                <adec:decorative xmlns:adec="http://schemas.microsoft.com/office/drawing/2017/decorative" val="1"/>
               </a:ext>
             </a:extLst>
           </p:cNvPr>
@@ -17790,7 +17791,7 @@
                 <a16:creationId xmlns:a16="http://schemas.microsoft.com/office/drawing/2014/main" id="{7842FC68-61FD-4700-8A22-BB8B071884DB}"/>
               </a:ext>
               <a:ext uri="{C183D7F6-B498-43B3-948B-1728B52AA6E4}">
-                <adec:decorative xmlns:adec="http://schemas.microsoft.com/office/drawing/2017/decorative" xmlns="" val="1"/>
+                <adec:decorative xmlns:adec="http://schemas.microsoft.com/office/drawing/2017/decorative" val="1"/>
               </a:ext>
             </a:extLst>
           </p:cNvPr>
@@ -18074,14 +18075,13 @@
               <a:t>MBSE Driven </a:t>
             </a:r>
             <a:r>
-              <a:rPr lang="en-US" sz="4800" dirty="0" err="1" smtClean="0"/>
+              <a:rPr lang="en-US" sz="4800" dirty="0" err="1"/>
               <a:t>IoT</a:t>
             </a:r>
             <a:r>
-              <a:rPr lang="en-US" sz="4800" dirty="0" smtClean="0"/>
+              <a:rPr lang="en-US" sz="4800" dirty="0"/>
               <a:t> For Smart Cities</a:t>
             </a:r>
-            <a:endParaRPr lang="en-US" sz="4800" dirty="0"/>
           </a:p>
         </p:txBody>
       </p:sp>
@@ -18114,16 +18114,15 @@
           <a:lstStyle/>
           <a:p>
             <a:r>
-              <a:rPr lang="en-US" sz="2000" dirty="0" smtClean="0"/>
+              <a:rPr lang="en-US" sz="2000" dirty="0"/>
               <a:t>Matthew Whitesides</a:t>
             </a:r>
           </a:p>
           <a:p>
             <a:r>
-              <a:rPr lang="en-US" sz="1400" dirty="0" smtClean="0"/>
+              <a:rPr lang="en-US" sz="1400" dirty="0"/>
               <a:t>CS6102: Model Based Systems Engineering</a:t>
             </a:r>
-            <a:endParaRPr lang="en-US" sz="1400" dirty="0"/>
           </a:p>
         </p:txBody>
       </p:sp>
@@ -18137,13 +18136,6 @@
   <p:clrMapOvr>
     <a:masterClrMapping/>
   </p:clrMapOvr>
-  <p:timing>
-    <p:tnLst>
-      <p:par>
-        <p:cTn id="1" dur="indefinite" restart="never" nodeType="tmRoot"/>
-      </p:par>
-    </p:tnLst>
-  </p:timing>
 </p:sld>
 </file>
 
@@ -18176,14 +18168,98 @@
         </p:nvSpPr>
         <p:spPr/>
         <p:txBody>
+          <a:bodyPr>
+            <a:normAutofit/>
+          </a:bodyPr>
+          <a:lstStyle/>
+          <a:p>
+            <a:r>
+              <a:rPr lang="en-US" dirty="0"/>
+              <a:t>MBSE Approach:</a:t>
+            </a:r>
+            <a:br>
+              <a:rPr lang="en-US" dirty="0"/>
+            </a:br>
+            <a:r>
+              <a:rPr lang="en-US" dirty="0"/>
+              <a:t>Systems View</a:t>
+            </a:r>
+          </a:p>
+        </p:txBody>
+      </p:sp>
+      <p:pic>
+        <p:nvPicPr>
+          <p:cNvPr id="4" name="Picture 3"/>
+          <p:cNvPicPr>
+            <a:picLocks noChangeAspect="1"/>
+          </p:cNvPicPr>
+          <p:nvPr/>
+        </p:nvPicPr>
+        <p:blipFill>
+          <a:blip r:embed="rId2"/>
+          <a:stretch>
+            <a:fillRect/>
+          </a:stretch>
+        </p:blipFill>
+        <p:spPr>
+          <a:xfrm>
+            <a:off x="4810713" y="1515802"/>
+            <a:ext cx="6921856" cy="3721291"/>
+          </a:xfrm>
+          <a:prstGeom prst="rect">
+            <a:avLst/>
+          </a:prstGeom>
+        </p:spPr>
+      </p:pic>
+    </p:spTree>
+    <p:extLst>
+      <p:ext uri="{BB962C8B-B14F-4D97-AF65-F5344CB8AC3E}">
+        <p14:creationId xmlns:p14="http://schemas.microsoft.com/office/powerpoint/2010/main" val="1432079059"/>
+      </p:ext>
+    </p:extLst>
+  </p:cSld>
+  <p:clrMapOvr>
+    <a:masterClrMapping/>
+  </p:clrMapOvr>
+</p:sld>
+</file>
+
+<file path=ppt/slides/slide11.xml><?xml version="1.0" encoding="utf-8"?>
+<p:sld xmlns:a="http://schemas.openxmlformats.org/drawingml/2006/main" xmlns:r="http://schemas.openxmlformats.org/officeDocument/2006/relationships" xmlns:p="http://schemas.openxmlformats.org/presentationml/2006/main">
+  <p:cSld>
+    <p:spTree>
+      <p:nvGrpSpPr>
+        <p:cNvPr id="1" name=""/>
+        <p:cNvGrpSpPr/>
+        <p:nvPr/>
+      </p:nvGrpSpPr>
+      <p:grpSpPr>
+        <a:xfrm>
+          <a:off x="0" y="0"/>
+          <a:ext cx="0" cy="0"/>
+          <a:chOff x="0" y="0"/>
+          <a:chExt cx="0" cy="0"/>
+        </a:xfrm>
+      </p:grpSpPr>
+      <p:sp>
+        <p:nvSpPr>
+          <p:cNvPr id="2" name="Title 1"/>
+          <p:cNvSpPr>
+            <a:spLocks noGrp="1"/>
+          </p:cNvSpPr>
+          <p:nvPr>
+            <p:ph type="title"/>
+          </p:nvPr>
+        </p:nvSpPr>
+        <p:spPr/>
+        <p:txBody>
           <a:bodyPr/>
           <a:lstStyle/>
           <a:p>
             <a:r>
-              <a:rPr lang="en-US" dirty="0" smtClean="0"/>
+              <a:rPr lang="en-US" dirty="0"/>
               <a:t>Conclusion</a:t>
             </a:r>
-            <a:endParaRPr lang="en-US" dirty="0"/>
           </a:p>
         </p:txBody>
       </p:sp>
@@ -18203,13 +18279,13 @@
           <a:lstStyle/>
           <a:p>
             <a:r>
-              <a:rPr lang="en-US" dirty="0" smtClean="0"/>
+              <a:rPr lang="en-US" dirty="0"/>
               <a:t>Questions?</a:t>
             </a:r>
           </a:p>
           <a:p>
             <a:r>
-              <a:rPr lang="en-US" dirty="0" smtClean="0"/>
+              <a:rPr lang="en-US" dirty="0"/>
               <a:t>References:</a:t>
             </a:r>
           </a:p>
@@ -18243,7 +18319,6 @@
               <a:rPr lang="en-US" dirty="0"/>
               <a:t>. 26th Annual IN-COSE International Symposium (IS 2016) Edinburgh, Scotland, UK, 18 July 2016.</a:t>
             </a:r>
-            <a:endParaRPr lang="en-US" dirty="0"/>
           </a:p>
         </p:txBody>
       </p:sp>
@@ -18257,13 +18332,6 @@
   <p:clrMapOvr>
     <a:masterClrMapping/>
   </p:clrMapOvr>
-  <p:timing>
-    <p:tnLst>
-      <p:par>
-        <p:cTn id="1" dur="indefinite" restart="never" nodeType="tmRoot"/>
-      </p:par>
-    </p:tnLst>
-  </p:timing>
 </p:sld>
 </file>
 
@@ -18297,7 +18365,7 @@
                 <a16:creationId xmlns:a16="http://schemas.microsoft.com/office/drawing/2014/main" id="{90F08744-9D7B-4693-B8D6-2A5210AE96F6}"/>
               </a:ext>
               <a:ext uri="{C183D7F6-B498-43B3-948B-1728B52AA6E4}">
-                <adec:decorative xmlns:adec="http://schemas.microsoft.com/office/drawing/2017/decorative" xmlns="" val="1"/>
+                <adec:decorative xmlns:adec="http://schemas.microsoft.com/office/drawing/2017/decorative" val="1"/>
               </a:ext>
             </a:extLst>
           </p:cNvPr>
@@ -18360,7 +18428,7 @@
                 <a16:creationId xmlns:a16="http://schemas.microsoft.com/office/drawing/2014/main" id="{5B2E630F-F386-44FA-B1A1-C10A9BF4346C}"/>
               </a:ext>
               <a:ext uri="{C183D7F6-B498-43B3-948B-1728B52AA6E4}">
-                <adec:decorative xmlns:adec="http://schemas.microsoft.com/office/drawing/2017/decorative" xmlns="" val="1"/>
+                <adec:decorative xmlns:adec="http://schemas.microsoft.com/office/drawing/2017/decorative" val="1"/>
               </a:ext>
             </a:extLst>
           </p:cNvPr>
@@ -18622,7 +18690,7 @@
                 <a16:creationId xmlns:a16="http://schemas.microsoft.com/office/drawing/2014/main" id="{73567C09-8B4D-49A6-A711-C44C5807D8DD}"/>
               </a:ext>
               <a:ext uri="{C183D7F6-B498-43B3-948B-1728B52AA6E4}">
-                <adec:decorative xmlns:adec="http://schemas.microsoft.com/office/drawing/2017/decorative" xmlns="" val="1"/>
+                <adec:decorative xmlns:adec="http://schemas.microsoft.com/office/drawing/2017/decorative" val="1"/>
               </a:ext>
             </a:extLst>
           </p:cNvPr>
@@ -18859,10 +18927,9 @@
           <a:p>
             <a:pPr algn="l"/>
             <a:r>
-              <a:rPr lang="en-US" sz="3200" dirty="0" smtClean="0"/>
+              <a:rPr lang="en-US" sz="3200" dirty="0"/>
               <a:t>Overview</a:t>
             </a:r>
-            <a:endParaRPr lang="en-US" sz="3200" dirty="0"/>
           </a:p>
         </p:txBody>
       </p:sp>
@@ -18895,34 +18962,33 @@
           <a:lstStyle/>
           <a:p>
             <a:r>
-              <a:rPr lang="en-US" sz="2000" dirty="0" smtClean="0"/>
+              <a:rPr lang="en-US" sz="2000" dirty="0"/>
               <a:t>Definitions</a:t>
             </a:r>
           </a:p>
           <a:p>
             <a:r>
-              <a:rPr lang="en-US" sz="2000" dirty="0" smtClean="0"/>
+              <a:rPr lang="en-US" sz="2000" dirty="0"/>
               <a:t>Technical Paper Discussion</a:t>
             </a:r>
           </a:p>
           <a:p>
             <a:r>
-              <a:rPr lang="en-US" sz="2000" dirty="0" smtClean="0"/>
+              <a:rPr lang="en-US" sz="2000" dirty="0"/>
               <a:t>MBSE Approach</a:t>
             </a:r>
           </a:p>
           <a:p>
             <a:r>
-              <a:rPr lang="en-US" sz="2000" dirty="0" smtClean="0"/>
+              <a:rPr lang="en-US" sz="2000" dirty="0"/>
               <a:t>Challenges</a:t>
             </a:r>
           </a:p>
           <a:p>
             <a:r>
-              <a:rPr lang="en-US" sz="2000" dirty="0" smtClean="0"/>
+              <a:rPr lang="en-US" sz="2000" dirty="0"/>
               <a:t>Conclusions</a:t>
             </a:r>
-            <a:endParaRPr lang="en-US" sz="2000" dirty="0"/>
           </a:p>
         </p:txBody>
       </p:sp>
@@ -18936,13 +19002,6 @@
   <p:clrMapOvr>
     <a:overrideClrMapping bg1="dk1" tx1="lt1" bg2="dk2" tx2="lt2" accent1="accent1" accent2="accent2" accent3="accent3" accent4="accent4" accent5="accent5" accent6="accent6" hlink="hlink" folHlink="folHlink"/>
   </p:clrMapOvr>
-  <p:timing>
-    <p:tnLst>
-      <p:par>
-        <p:cTn id="1" dur="indefinite" restart="never" nodeType="tmRoot"/>
-      </p:par>
-    </p:tnLst>
-  </p:timing>
 </p:sld>
 </file>
 
@@ -19014,7 +19073,7 @@
           <a:lstStyle/>
           <a:p>
             <a:r>
-              <a:rPr lang="en-US" dirty="0" smtClean="0"/>
+              <a:rPr lang="en-US" dirty="0"/>
               <a:t>“The </a:t>
             </a:r>
             <a:r>
@@ -19041,13 +19100,8 @@
             </a:r>
             <a:r>
               <a:rPr lang="en-US" dirty="0"/>
-              <a:t> (UIDs) and the ability to transfer data over a network without requiring human-to-human or human-to-computer interaction</a:t>
+              <a:t> (UIDs) and the ability to transfer data over a network without requiring human-to-human or human-to-computer interaction.”</a:t>
             </a:r>
-            <a:r>
-              <a:rPr lang="en-US" dirty="0" smtClean="0"/>
-              <a:t>.”</a:t>
-            </a:r>
-            <a:endParaRPr lang="en-US" dirty="0"/>
           </a:p>
           <a:p>
             <a:r>
@@ -19410,10 +19464,9 @@
           <a:lstStyle/>
           <a:p>
             <a:r>
-              <a:rPr lang="en-US" dirty="0" smtClean="0"/>
+              <a:rPr lang="en-US" dirty="0"/>
               <a:t>What is a “Smart City”?</a:t>
             </a:r>
-            <a:endParaRPr lang="en-US" dirty="0"/>
           </a:p>
         </p:txBody>
       </p:sp>
@@ -19438,16 +19491,8 @@
           <a:lstStyle/>
           <a:p>
             <a:r>
-              <a:rPr lang="en-US" dirty="0" smtClean="0"/>
-              <a:t>“A </a:t>
-            </a:r>
-            <a:r>
               <a:rPr lang="en-US" dirty="0"/>
-              <a:t>smart city uses digital technologies or information and communication technologies (ICT) to enhance quality and performance of urban services, to reduce costs and resource consumption, and to engage more effectively and actively with its citizens</a:t>
-            </a:r>
-            <a:r>
-              <a:rPr lang="en-US" dirty="0" smtClean="0"/>
-              <a:t>.”</a:t>
+              <a:t>“A smart city uses digital technologies or information and communication technologies (ICT) to enhance quality and performance of urban services, to reduce costs and resource consumption, and to engage more effectively and actively with its citizens.”</a:t>
             </a:r>
           </a:p>
           <a:p>
@@ -19498,9 +19543,96 @@
   <p:timing>
     <p:tnLst>
       <p:par>
-        <p:cTn id="1" dur="indefinite" restart="never" nodeType="tmRoot"/>
+        <p:cTn id="1" dur="indefinite" restart="never" nodeType="tmRoot">
+          <p:childTnLst>
+            <p:seq concurrent="1" nextAc="seek">
+              <p:cTn id="2" dur="indefinite" nodeType="mainSeq">
+                <p:childTnLst>
+                  <p:par>
+                    <p:cTn id="3" fill="hold">
+                      <p:stCondLst>
+                        <p:cond delay="indefinite"/>
+                      </p:stCondLst>
+                      <p:childTnLst>
+                        <p:par>
+                          <p:cTn id="4" fill="hold">
+                            <p:stCondLst>
+                              <p:cond delay="0"/>
+                            </p:stCondLst>
+                            <p:childTnLst>
+                              <p:par>
+                                <p:cTn id="5" presetID="9" presetClass="entr" presetSubtype="0" fill="hold" grpId="0" nodeType="clickEffect">
+                                  <p:stCondLst>
+                                    <p:cond delay="0"/>
+                                  </p:stCondLst>
+                                  <p:childTnLst>
+                                    <p:set>
+                                      <p:cBhvr>
+                                        <p:cTn id="6" dur="1" fill="hold">
+                                          <p:stCondLst>
+                                            <p:cond delay="0"/>
+                                          </p:stCondLst>
+                                        </p:cTn>
+                                        <p:tgtEl>
+                                          <p:spTgt spid="3">
+                                            <p:txEl>
+                                              <p:pRg st="0" end="0"/>
+                                            </p:txEl>
+                                          </p:spTgt>
+                                        </p:tgtEl>
+                                        <p:attrNameLst>
+                                          <p:attrName>style.visibility</p:attrName>
+                                        </p:attrNameLst>
+                                      </p:cBhvr>
+                                      <p:to>
+                                        <p:strVal val="visible"/>
+                                      </p:to>
+                                    </p:set>
+                                    <p:animEffect transition="in" filter="dissolve">
+                                      <p:cBhvr>
+                                        <p:cTn id="7" dur="500"/>
+                                        <p:tgtEl>
+                                          <p:spTgt spid="3">
+                                            <p:txEl>
+                                              <p:pRg st="0" end="0"/>
+                                            </p:txEl>
+                                          </p:spTgt>
+                                        </p:tgtEl>
+                                      </p:cBhvr>
+                                    </p:animEffect>
+                                  </p:childTnLst>
+                                </p:cTn>
+                              </p:par>
+                            </p:childTnLst>
+                          </p:cTn>
+                        </p:par>
+                      </p:childTnLst>
+                    </p:cTn>
+                  </p:par>
+                </p:childTnLst>
+              </p:cTn>
+              <p:prevCondLst>
+                <p:cond evt="onPrev" delay="0">
+                  <p:tgtEl>
+                    <p:sldTgt/>
+                  </p:tgtEl>
+                </p:cond>
+              </p:prevCondLst>
+              <p:nextCondLst>
+                <p:cond evt="onNext" delay="0">
+                  <p:tgtEl>
+                    <p:sldTgt/>
+                  </p:tgtEl>
+                </p:cond>
+              </p:nextCondLst>
+            </p:seq>
+          </p:childTnLst>
+        </p:cTn>
       </p:par>
     </p:tnLst>
+    <p:bldLst>
+      <p:bldP spid="3" grpId="0" build="p"/>
+    </p:bldLst>
   </p:timing>
 </p:sld>
 </file>
@@ -19538,10 +19670,9 @@
           <a:lstStyle/>
           <a:p>
             <a:r>
-              <a:rPr lang="en-US" dirty="0" smtClean="0"/>
+              <a:rPr lang="en-US" dirty="0"/>
               <a:t>Paper Discussion</a:t>
             </a:r>
-            <a:endParaRPr lang="en-US" dirty="0"/>
           </a:p>
         </p:txBody>
       </p:sp>
@@ -19565,20 +19696,16 @@
               <a:t>Making Smart Cities Smarter – MBSE Driven </a:t>
             </a:r>
             <a:r>
-              <a:rPr lang="en-US" dirty="0" err="1" smtClean="0"/>
+              <a:rPr lang="en-US" dirty="0" err="1"/>
               <a:t>IoT</a:t>
             </a:r>
-            <a:endParaRPr lang="en-US" dirty="0" smtClean="0"/>
+            <a:endParaRPr lang="en-US" dirty="0"/>
           </a:p>
           <a:p>
             <a:pPr lvl="1"/>
             <a:r>
-              <a:rPr lang="en-US" dirty="0" smtClean="0"/>
-              <a:t>By </a:t>
-            </a:r>
-            <a:r>
               <a:rPr lang="en-US" dirty="0"/>
-              <a:t>Matthew </a:t>
+              <a:t>By Matthew </a:t>
             </a:r>
             <a:r>
               <a:rPr lang="en-US" dirty="0" err="1"/>
@@ -19596,10 +19723,9 @@
           </a:p>
           <a:p>
             <a:r>
-              <a:rPr lang="en-US" dirty="0" smtClean="0"/>
+              <a:rPr lang="en-US" dirty="0"/>
               <a:t>Discusses the challenges in creating a smart city and how a MBSE approach can be used.</a:t>
             </a:r>
-            <a:endParaRPr lang="en-US" dirty="0"/>
           </a:p>
           <a:p>
             <a:endParaRPr lang="en-US" dirty="0"/>
@@ -19619,9 +19745,200 @@
   <p:timing>
     <p:tnLst>
       <p:par>
-        <p:cTn id="1" dur="indefinite" restart="never" nodeType="tmRoot"/>
+        <p:cTn id="1" dur="indefinite" restart="never" nodeType="tmRoot">
+          <p:childTnLst>
+            <p:seq concurrent="1" nextAc="seek">
+              <p:cTn id="2" dur="indefinite" nodeType="mainSeq">
+                <p:childTnLst>
+                  <p:par>
+                    <p:cTn id="3" fill="hold">
+                      <p:stCondLst>
+                        <p:cond delay="indefinite"/>
+                      </p:stCondLst>
+                      <p:childTnLst>
+                        <p:par>
+                          <p:cTn id="4" fill="hold">
+                            <p:stCondLst>
+                              <p:cond delay="0"/>
+                            </p:stCondLst>
+                            <p:childTnLst>
+                              <p:par>
+                                <p:cTn id="5" presetID="9" presetClass="entr" presetSubtype="0" fill="hold" grpId="0" nodeType="clickEffect">
+                                  <p:stCondLst>
+                                    <p:cond delay="0"/>
+                                  </p:stCondLst>
+                                  <p:childTnLst>
+                                    <p:set>
+                                      <p:cBhvr>
+                                        <p:cTn id="6" dur="1" fill="hold">
+                                          <p:stCondLst>
+                                            <p:cond delay="0"/>
+                                          </p:stCondLst>
+                                        </p:cTn>
+                                        <p:tgtEl>
+                                          <p:spTgt spid="3">
+                                            <p:txEl>
+                                              <p:pRg st="0" end="0"/>
+                                            </p:txEl>
+                                          </p:spTgt>
+                                        </p:tgtEl>
+                                        <p:attrNameLst>
+                                          <p:attrName>style.visibility</p:attrName>
+                                        </p:attrNameLst>
+                                      </p:cBhvr>
+                                      <p:to>
+                                        <p:strVal val="visible"/>
+                                      </p:to>
+                                    </p:set>
+                                    <p:animEffect transition="in" filter="dissolve">
+                                      <p:cBhvr>
+                                        <p:cTn id="7" dur="500"/>
+                                        <p:tgtEl>
+                                          <p:spTgt spid="3">
+                                            <p:txEl>
+                                              <p:pRg st="0" end="0"/>
+                                            </p:txEl>
+                                          </p:spTgt>
+                                        </p:tgtEl>
+                                      </p:cBhvr>
+                                    </p:animEffect>
+                                  </p:childTnLst>
+                                </p:cTn>
+                              </p:par>
+                              <p:par>
+                                <p:cTn id="8" presetID="9" presetClass="entr" presetSubtype="0" fill="hold" grpId="0" nodeType="withEffect">
+                                  <p:stCondLst>
+                                    <p:cond delay="0"/>
+                                  </p:stCondLst>
+                                  <p:childTnLst>
+                                    <p:set>
+                                      <p:cBhvr>
+                                        <p:cTn id="9" dur="1" fill="hold">
+                                          <p:stCondLst>
+                                            <p:cond delay="0"/>
+                                          </p:stCondLst>
+                                        </p:cTn>
+                                        <p:tgtEl>
+                                          <p:spTgt spid="3">
+                                            <p:txEl>
+                                              <p:pRg st="1" end="1"/>
+                                            </p:txEl>
+                                          </p:spTgt>
+                                        </p:tgtEl>
+                                        <p:attrNameLst>
+                                          <p:attrName>style.visibility</p:attrName>
+                                        </p:attrNameLst>
+                                      </p:cBhvr>
+                                      <p:to>
+                                        <p:strVal val="visible"/>
+                                      </p:to>
+                                    </p:set>
+                                    <p:animEffect transition="in" filter="dissolve">
+                                      <p:cBhvr>
+                                        <p:cTn id="10" dur="500"/>
+                                        <p:tgtEl>
+                                          <p:spTgt spid="3">
+                                            <p:txEl>
+                                              <p:pRg st="1" end="1"/>
+                                            </p:txEl>
+                                          </p:spTgt>
+                                        </p:tgtEl>
+                                      </p:cBhvr>
+                                    </p:animEffect>
+                                  </p:childTnLst>
+                                </p:cTn>
+                              </p:par>
+                            </p:childTnLst>
+                          </p:cTn>
+                        </p:par>
+                      </p:childTnLst>
+                    </p:cTn>
+                  </p:par>
+                  <p:par>
+                    <p:cTn id="11" fill="hold">
+                      <p:stCondLst>
+                        <p:cond delay="indefinite"/>
+                      </p:stCondLst>
+                      <p:childTnLst>
+                        <p:par>
+                          <p:cTn id="12" fill="hold">
+                            <p:stCondLst>
+                              <p:cond delay="0"/>
+                            </p:stCondLst>
+                            <p:childTnLst>
+                              <p:par>
+                                <p:cTn id="13" presetID="9" presetClass="entr" presetSubtype="0" fill="hold" grpId="0" nodeType="clickEffect">
+                                  <p:stCondLst>
+                                    <p:cond delay="0"/>
+                                  </p:stCondLst>
+                                  <p:childTnLst>
+                                    <p:set>
+                                      <p:cBhvr>
+                                        <p:cTn id="14" dur="1" fill="hold">
+                                          <p:stCondLst>
+                                            <p:cond delay="0"/>
+                                          </p:stCondLst>
+                                        </p:cTn>
+                                        <p:tgtEl>
+                                          <p:spTgt spid="3">
+                                            <p:txEl>
+                                              <p:pRg st="2" end="2"/>
+                                            </p:txEl>
+                                          </p:spTgt>
+                                        </p:tgtEl>
+                                        <p:attrNameLst>
+                                          <p:attrName>style.visibility</p:attrName>
+                                        </p:attrNameLst>
+                                      </p:cBhvr>
+                                      <p:to>
+                                        <p:strVal val="visible"/>
+                                      </p:to>
+                                    </p:set>
+                                    <p:animEffect transition="in" filter="dissolve">
+                                      <p:cBhvr>
+                                        <p:cTn id="15" dur="500"/>
+                                        <p:tgtEl>
+                                          <p:spTgt spid="3">
+                                            <p:txEl>
+                                              <p:pRg st="2" end="2"/>
+                                            </p:txEl>
+                                          </p:spTgt>
+                                        </p:tgtEl>
+                                      </p:cBhvr>
+                                    </p:animEffect>
+                                  </p:childTnLst>
+                                </p:cTn>
+                              </p:par>
+                            </p:childTnLst>
+                          </p:cTn>
+                        </p:par>
+                      </p:childTnLst>
+                    </p:cTn>
+                  </p:par>
+                </p:childTnLst>
+              </p:cTn>
+              <p:prevCondLst>
+                <p:cond evt="onPrev" delay="0">
+                  <p:tgtEl>
+                    <p:sldTgt/>
+                  </p:tgtEl>
+                </p:cond>
+              </p:prevCondLst>
+              <p:nextCondLst>
+                <p:cond evt="onNext" delay="0">
+                  <p:tgtEl>
+                    <p:sldTgt/>
+                  </p:tgtEl>
+                </p:cond>
+              </p:nextCondLst>
+            </p:seq>
+          </p:childTnLst>
+        </p:cTn>
       </p:par>
     </p:tnLst>
+    <p:bldLst>
+      <p:bldP spid="3" grpId="0" build="p"/>
+    </p:bldLst>
   </p:timing>
 </p:sld>
 </file>
@@ -19659,10 +19976,9 @@
           <a:lstStyle/>
           <a:p>
             <a:r>
-              <a:rPr lang="en-US" dirty="0" smtClean="0"/>
-              <a:t>MBSE Approach</a:t>
+              <a:rPr lang="en-US" dirty="0"/>
+              <a:t>Challenges</a:t>
             </a:r>
-            <a:endParaRPr lang="en-US" dirty="0"/>
           </a:p>
         </p:txBody>
       </p:sp>
@@ -19682,28 +19998,416 @@
           <a:lstStyle/>
           <a:p>
             <a:r>
-              <a:rPr lang="en-US" dirty="0" smtClean="0"/>
-              <a:t>Can be broken down into “operational” and “systems” views of modeling.</a:t>
+              <a:rPr lang="en-US" dirty="0"/>
+              <a:t>Systems deploying the </a:t>
+            </a:r>
+            <a:r>
+              <a:rPr lang="en-US" dirty="0" err="1"/>
+              <a:t>IoT</a:t>
+            </a:r>
+            <a:r>
+              <a:rPr lang="en-US" dirty="0"/>
+              <a:t> require a different infrastructure, this includes modified hardware, software applications, and an operating system embedded in the product itself. </a:t>
             </a:r>
           </a:p>
           <a:p>
             <a:r>
-              <a:rPr lang="en-US" dirty="0" smtClean="0"/>
+              <a:rPr lang="en-US" dirty="0"/>
+              <a:t>Concerns include:</a:t>
+            </a:r>
+          </a:p>
+          <a:p>
+            <a:pPr lvl="1"/>
+            <a:r>
+              <a:rPr lang="en-US" dirty="0"/>
+              <a:t>Security</a:t>
+            </a:r>
+          </a:p>
+          <a:p>
+            <a:pPr lvl="1"/>
+            <a:r>
+              <a:rPr lang="en-US" dirty="0"/>
+              <a:t>Infrastructure &amp; Architecture</a:t>
+            </a:r>
+          </a:p>
+          <a:p>
+            <a:pPr lvl="1"/>
+            <a:r>
+              <a:rPr lang="en-US" dirty="0"/>
+              <a:t>Monitoring</a:t>
+            </a:r>
+          </a:p>
+          <a:p>
+            <a:endParaRPr lang="en-US" dirty="0"/>
+          </a:p>
+        </p:txBody>
+      </p:sp>
+    </p:spTree>
+    <p:extLst>
+      <p:ext uri="{BB962C8B-B14F-4D97-AF65-F5344CB8AC3E}">
+        <p14:creationId xmlns:p14="http://schemas.microsoft.com/office/powerpoint/2010/main" val="1332741353"/>
+      </p:ext>
+    </p:extLst>
+  </p:cSld>
+  <p:clrMapOvr>
+    <a:masterClrMapping/>
+  </p:clrMapOvr>
+  <p:timing>
+    <p:tnLst>
+      <p:par>
+        <p:cTn id="1" dur="indefinite" restart="never" nodeType="tmRoot">
+          <p:childTnLst>
+            <p:seq concurrent="1" nextAc="seek">
+              <p:cTn id="2" dur="indefinite" nodeType="mainSeq">
+                <p:childTnLst>
+                  <p:par>
+                    <p:cTn id="3" fill="hold">
+                      <p:stCondLst>
+                        <p:cond delay="indefinite"/>
+                      </p:stCondLst>
+                      <p:childTnLst>
+                        <p:par>
+                          <p:cTn id="4" fill="hold">
+                            <p:stCondLst>
+                              <p:cond delay="0"/>
+                            </p:stCondLst>
+                            <p:childTnLst>
+                              <p:par>
+                                <p:cTn id="5" presetID="9" presetClass="entr" presetSubtype="0" fill="hold" grpId="0" nodeType="clickEffect">
+                                  <p:stCondLst>
+                                    <p:cond delay="0"/>
+                                  </p:stCondLst>
+                                  <p:childTnLst>
+                                    <p:set>
+                                      <p:cBhvr>
+                                        <p:cTn id="6" dur="1" fill="hold">
+                                          <p:stCondLst>
+                                            <p:cond delay="0"/>
+                                          </p:stCondLst>
+                                        </p:cTn>
+                                        <p:tgtEl>
+                                          <p:spTgt spid="3">
+                                            <p:txEl>
+                                              <p:pRg st="0" end="0"/>
+                                            </p:txEl>
+                                          </p:spTgt>
+                                        </p:tgtEl>
+                                        <p:attrNameLst>
+                                          <p:attrName>style.visibility</p:attrName>
+                                        </p:attrNameLst>
+                                      </p:cBhvr>
+                                      <p:to>
+                                        <p:strVal val="visible"/>
+                                      </p:to>
+                                    </p:set>
+                                    <p:animEffect transition="in" filter="dissolve">
+                                      <p:cBhvr>
+                                        <p:cTn id="7" dur="500"/>
+                                        <p:tgtEl>
+                                          <p:spTgt spid="3">
+                                            <p:txEl>
+                                              <p:pRg st="0" end="0"/>
+                                            </p:txEl>
+                                          </p:spTgt>
+                                        </p:tgtEl>
+                                      </p:cBhvr>
+                                    </p:animEffect>
+                                  </p:childTnLst>
+                                </p:cTn>
+                              </p:par>
+                            </p:childTnLst>
+                          </p:cTn>
+                        </p:par>
+                      </p:childTnLst>
+                    </p:cTn>
+                  </p:par>
+                  <p:par>
+                    <p:cTn id="8" fill="hold">
+                      <p:stCondLst>
+                        <p:cond delay="indefinite"/>
+                      </p:stCondLst>
+                      <p:childTnLst>
+                        <p:par>
+                          <p:cTn id="9" fill="hold">
+                            <p:stCondLst>
+                              <p:cond delay="0"/>
+                            </p:stCondLst>
+                            <p:childTnLst>
+                              <p:par>
+                                <p:cTn id="10" presetID="9" presetClass="entr" presetSubtype="0" fill="hold" grpId="0" nodeType="clickEffect">
+                                  <p:stCondLst>
+                                    <p:cond delay="0"/>
+                                  </p:stCondLst>
+                                  <p:childTnLst>
+                                    <p:set>
+                                      <p:cBhvr>
+                                        <p:cTn id="11" dur="1" fill="hold">
+                                          <p:stCondLst>
+                                            <p:cond delay="0"/>
+                                          </p:stCondLst>
+                                        </p:cTn>
+                                        <p:tgtEl>
+                                          <p:spTgt spid="3">
+                                            <p:txEl>
+                                              <p:pRg st="1" end="1"/>
+                                            </p:txEl>
+                                          </p:spTgt>
+                                        </p:tgtEl>
+                                        <p:attrNameLst>
+                                          <p:attrName>style.visibility</p:attrName>
+                                        </p:attrNameLst>
+                                      </p:cBhvr>
+                                      <p:to>
+                                        <p:strVal val="visible"/>
+                                      </p:to>
+                                    </p:set>
+                                    <p:animEffect transition="in" filter="dissolve">
+                                      <p:cBhvr>
+                                        <p:cTn id="12" dur="500"/>
+                                        <p:tgtEl>
+                                          <p:spTgt spid="3">
+                                            <p:txEl>
+                                              <p:pRg st="1" end="1"/>
+                                            </p:txEl>
+                                          </p:spTgt>
+                                        </p:tgtEl>
+                                      </p:cBhvr>
+                                    </p:animEffect>
+                                  </p:childTnLst>
+                                </p:cTn>
+                              </p:par>
+                              <p:par>
+                                <p:cTn id="13" presetID="9" presetClass="entr" presetSubtype="0" fill="hold" grpId="0" nodeType="withEffect">
+                                  <p:stCondLst>
+                                    <p:cond delay="0"/>
+                                  </p:stCondLst>
+                                  <p:childTnLst>
+                                    <p:set>
+                                      <p:cBhvr>
+                                        <p:cTn id="14" dur="1" fill="hold">
+                                          <p:stCondLst>
+                                            <p:cond delay="0"/>
+                                          </p:stCondLst>
+                                        </p:cTn>
+                                        <p:tgtEl>
+                                          <p:spTgt spid="3">
+                                            <p:txEl>
+                                              <p:pRg st="2" end="2"/>
+                                            </p:txEl>
+                                          </p:spTgt>
+                                        </p:tgtEl>
+                                        <p:attrNameLst>
+                                          <p:attrName>style.visibility</p:attrName>
+                                        </p:attrNameLst>
+                                      </p:cBhvr>
+                                      <p:to>
+                                        <p:strVal val="visible"/>
+                                      </p:to>
+                                    </p:set>
+                                    <p:animEffect transition="in" filter="dissolve">
+                                      <p:cBhvr>
+                                        <p:cTn id="15" dur="500"/>
+                                        <p:tgtEl>
+                                          <p:spTgt spid="3">
+                                            <p:txEl>
+                                              <p:pRg st="2" end="2"/>
+                                            </p:txEl>
+                                          </p:spTgt>
+                                        </p:tgtEl>
+                                      </p:cBhvr>
+                                    </p:animEffect>
+                                  </p:childTnLst>
+                                </p:cTn>
+                              </p:par>
+                              <p:par>
+                                <p:cTn id="16" presetID="9" presetClass="entr" presetSubtype="0" fill="hold" grpId="0" nodeType="withEffect">
+                                  <p:stCondLst>
+                                    <p:cond delay="0"/>
+                                  </p:stCondLst>
+                                  <p:childTnLst>
+                                    <p:set>
+                                      <p:cBhvr>
+                                        <p:cTn id="17" dur="1" fill="hold">
+                                          <p:stCondLst>
+                                            <p:cond delay="0"/>
+                                          </p:stCondLst>
+                                        </p:cTn>
+                                        <p:tgtEl>
+                                          <p:spTgt spid="3">
+                                            <p:txEl>
+                                              <p:pRg st="3" end="3"/>
+                                            </p:txEl>
+                                          </p:spTgt>
+                                        </p:tgtEl>
+                                        <p:attrNameLst>
+                                          <p:attrName>style.visibility</p:attrName>
+                                        </p:attrNameLst>
+                                      </p:cBhvr>
+                                      <p:to>
+                                        <p:strVal val="visible"/>
+                                      </p:to>
+                                    </p:set>
+                                    <p:animEffect transition="in" filter="dissolve">
+                                      <p:cBhvr>
+                                        <p:cTn id="18" dur="500"/>
+                                        <p:tgtEl>
+                                          <p:spTgt spid="3">
+                                            <p:txEl>
+                                              <p:pRg st="3" end="3"/>
+                                            </p:txEl>
+                                          </p:spTgt>
+                                        </p:tgtEl>
+                                      </p:cBhvr>
+                                    </p:animEffect>
+                                  </p:childTnLst>
+                                </p:cTn>
+                              </p:par>
+                              <p:par>
+                                <p:cTn id="19" presetID="9" presetClass="entr" presetSubtype="0" fill="hold" grpId="0" nodeType="withEffect">
+                                  <p:stCondLst>
+                                    <p:cond delay="0"/>
+                                  </p:stCondLst>
+                                  <p:childTnLst>
+                                    <p:set>
+                                      <p:cBhvr>
+                                        <p:cTn id="20" dur="1" fill="hold">
+                                          <p:stCondLst>
+                                            <p:cond delay="0"/>
+                                          </p:stCondLst>
+                                        </p:cTn>
+                                        <p:tgtEl>
+                                          <p:spTgt spid="3">
+                                            <p:txEl>
+                                              <p:pRg st="4" end="4"/>
+                                            </p:txEl>
+                                          </p:spTgt>
+                                        </p:tgtEl>
+                                        <p:attrNameLst>
+                                          <p:attrName>style.visibility</p:attrName>
+                                        </p:attrNameLst>
+                                      </p:cBhvr>
+                                      <p:to>
+                                        <p:strVal val="visible"/>
+                                      </p:to>
+                                    </p:set>
+                                    <p:animEffect transition="in" filter="dissolve">
+                                      <p:cBhvr>
+                                        <p:cTn id="21" dur="500"/>
+                                        <p:tgtEl>
+                                          <p:spTgt spid="3">
+                                            <p:txEl>
+                                              <p:pRg st="4" end="4"/>
+                                            </p:txEl>
+                                          </p:spTgt>
+                                        </p:tgtEl>
+                                      </p:cBhvr>
+                                    </p:animEffect>
+                                  </p:childTnLst>
+                                </p:cTn>
+                              </p:par>
+                            </p:childTnLst>
+                          </p:cTn>
+                        </p:par>
+                      </p:childTnLst>
+                    </p:cTn>
+                  </p:par>
+                </p:childTnLst>
+              </p:cTn>
+              <p:prevCondLst>
+                <p:cond evt="onPrev" delay="0">
+                  <p:tgtEl>
+                    <p:sldTgt/>
+                  </p:tgtEl>
+                </p:cond>
+              </p:prevCondLst>
+              <p:nextCondLst>
+                <p:cond evt="onNext" delay="0">
+                  <p:tgtEl>
+                    <p:sldTgt/>
+                  </p:tgtEl>
+                </p:cond>
+              </p:nextCondLst>
+            </p:seq>
+          </p:childTnLst>
+        </p:cTn>
+      </p:par>
+    </p:tnLst>
+    <p:bldLst>
+      <p:bldP spid="3" grpId="0" build="p"/>
+    </p:bldLst>
+  </p:timing>
+</p:sld>
+</file>
+
+<file path=ppt/slides/slide7.xml><?xml version="1.0" encoding="utf-8"?>
+<p:sld xmlns:a="http://schemas.openxmlformats.org/drawingml/2006/main" xmlns:r="http://schemas.openxmlformats.org/officeDocument/2006/relationships" xmlns:p="http://schemas.openxmlformats.org/presentationml/2006/main">
+  <p:cSld>
+    <p:spTree>
+      <p:nvGrpSpPr>
+        <p:cNvPr id="1" name=""/>
+        <p:cNvGrpSpPr/>
+        <p:nvPr/>
+      </p:nvGrpSpPr>
+      <p:grpSpPr>
+        <a:xfrm>
+          <a:off x="0" y="0"/>
+          <a:ext cx="0" cy="0"/>
+          <a:chOff x="0" y="0"/>
+          <a:chExt cx="0" cy="0"/>
+        </a:xfrm>
+      </p:grpSpPr>
+      <p:sp>
+        <p:nvSpPr>
+          <p:cNvPr id="2" name="Title 1"/>
+          <p:cNvSpPr>
+            <a:spLocks noGrp="1"/>
+          </p:cNvSpPr>
+          <p:nvPr>
+            <p:ph type="title"/>
+          </p:nvPr>
+        </p:nvSpPr>
+        <p:spPr/>
+        <p:txBody>
+          <a:bodyPr/>
+          <a:lstStyle/>
+          <a:p>
+            <a:r>
+              <a:rPr lang="en-US" dirty="0"/>
+              <a:t>MBSE Approach</a:t>
+            </a:r>
+          </a:p>
+        </p:txBody>
+      </p:sp>
+      <p:sp>
+        <p:nvSpPr>
+          <p:cNvPr id="3" name="Content Placeholder 2"/>
+          <p:cNvSpPr>
+            <a:spLocks noGrp="1"/>
+          </p:cNvSpPr>
+          <p:nvPr>
+            <p:ph idx="1"/>
+          </p:nvPr>
+        </p:nvSpPr>
+        <p:spPr/>
+        <p:txBody>
+          <a:bodyPr/>
+          <a:lstStyle/>
+          <a:p>
+            <a:r>
+              <a:rPr lang="en-US" dirty="0"/>
+              <a:t>Can be broken down into “capability”, “operational” and “systems” views of modeling.</a:t>
+            </a:r>
+          </a:p>
+          <a:p>
+            <a:r>
+              <a:rPr lang="en-US" dirty="0"/>
               <a:t>Operational views would be how systems implements their capabilities.</a:t>
             </a:r>
           </a:p>
           <a:p>
             <a:r>
-              <a:rPr lang="en-US" dirty="0" smtClean="0"/>
-              <a:t>System views are more detailed in that they define how the individual system hardware and software interfaces with itself and </a:t>
-            </a:r>
-            <a:r>
-              <a:rPr lang="en-US" dirty="0" err="1" smtClean="0"/>
-              <a:t>eachother</a:t>
-            </a:r>
-            <a:r>
-              <a:rPr lang="en-US" dirty="0" smtClean="0"/>
-              <a:t>.</a:t>
+              <a:rPr lang="en-US" dirty="0"/>
+              <a:t>System views are more detailed in that they define how the individual system hardware and software interfaces with itself and each other.</a:t>
             </a:r>
           </a:p>
         </p:txBody>
@@ -19721,14 +20425,223 @@
   <p:timing>
     <p:tnLst>
       <p:par>
-        <p:cTn id="1" dur="indefinite" restart="never" nodeType="tmRoot"/>
+        <p:cTn id="1" dur="indefinite" restart="never" nodeType="tmRoot">
+          <p:childTnLst>
+            <p:seq concurrent="1" nextAc="seek">
+              <p:cTn id="2" dur="indefinite" nodeType="mainSeq">
+                <p:childTnLst>
+                  <p:par>
+                    <p:cTn id="3" fill="hold">
+                      <p:stCondLst>
+                        <p:cond delay="indefinite"/>
+                      </p:stCondLst>
+                      <p:childTnLst>
+                        <p:par>
+                          <p:cTn id="4" fill="hold">
+                            <p:stCondLst>
+                              <p:cond delay="0"/>
+                            </p:stCondLst>
+                            <p:childTnLst>
+                              <p:par>
+                                <p:cTn id="5" presetID="9" presetClass="entr" presetSubtype="0" fill="hold" grpId="0" nodeType="clickEffect">
+                                  <p:stCondLst>
+                                    <p:cond delay="0"/>
+                                  </p:stCondLst>
+                                  <p:childTnLst>
+                                    <p:set>
+                                      <p:cBhvr>
+                                        <p:cTn id="6" dur="1" fill="hold">
+                                          <p:stCondLst>
+                                            <p:cond delay="0"/>
+                                          </p:stCondLst>
+                                        </p:cTn>
+                                        <p:tgtEl>
+                                          <p:spTgt spid="3">
+                                            <p:txEl>
+                                              <p:pRg st="0" end="0"/>
+                                            </p:txEl>
+                                          </p:spTgt>
+                                        </p:tgtEl>
+                                        <p:attrNameLst>
+                                          <p:attrName>style.visibility</p:attrName>
+                                        </p:attrNameLst>
+                                      </p:cBhvr>
+                                      <p:to>
+                                        <p:strVal val="visible"/>
+                                      </p:to>
+                                    </p:set>
+                                    <p:animEffect transition="in" filter="dissolve">
+                                      <p:cBhvr>
+                                        <p:cTn id="7" dur="500"/>
+                                        <p:tgtEl>
+                                          <p:spTgt spid="3">
+                                            <p:txEl>
+                                              <p:pRg st="0" end="0"/>
+                                            </p:txEl>
+                                          </p:spTgt>
+                                        </p:tgtEl>
+                                      </p:cBhvr>
+                                    </p:animEffect>
+                                  </p:childTnLst>
+                                </p:cTn>
+                              </p:par>
+                            </p:childTnLst>
+                          </p:cTn>
+                        </p:par>
+                      </p:childTnLst>
+                    </p:cTn>
+                  </p:par>
+                  <p:par>
+                    <p:cTn id="8" fill="hold">
+                      <p:stCondLst>
+                        <p:cond delay="indefinite"/>
+                      </p:stCondLst>
+                      <p:childTnLst>
+                        <p:par>
+                          <p:cTn id="9" fill="hold">
+                            <p:stCondLst>
+                              <p:cond delay="0"/>
+                            </p:stCondLst>
+                            <p:childTnLst>
+                              <p:par>
+                                <p:cTn id="10" presetID="9" presetClass="entr" presetSubtype="0" fill="hold" grpId="0" nodeType="clickEffect">
+                                  <p:stCondLst>
+                                    <p:cond delay="0"/>
+                                  </p:stCondLst>
+                                  <p:childTnLst>
+                                    <p:set>
+                                      <p:cBhvr>
+                                        <p:cTn id="11" dur="1" fill="hold">
+                                          <p:stCondLst>
+                                            <p:cond delay="0"/>
+                                          </p:stCondLst>
+                                        </p:cTn>
+                                        <p:tgtEl>
+                                          <p:spTgt spid="3">
+                                            <p:txEl>
+                                              <p:pRg st="1" end="1"/>
+                                            </p:txEl>
+                                          </p:spTgt>
+                                        </p:tgtEl>
+                                        <p:attrNameLst>
+                                          <p:attrName>style.visibility</p:attrName>
+                                        </p:attrNameLst>
+                                      </p:cBhvr>
+                                      <p:to>
+                                        <p:strVal val="visible"/>
+                                      </p:to>
+                                    </p:set>
+                                    <p:animEffect transition="in" filter="dissolve">
+                                      <p:cBhvr>
+                                        <p:cTn id="12" dur="500"/>
+                                        <p:tgtEl>
+                                          <p:spTgt spid="3">
+                                            <p:txEl>
+                                              <p:pRg st="1" end="1"/>
+                                            </p:txEl>
+                                          </p:spTgt>
+                                        </p:tgtEl>
+                                      </p:cBhvr>
+                                    </p:animEffect>
+                                  </p:childTnLst>
+                                </p:cTn>
+                              </p:par>
+                            </p:childTnLst>
+                          </p:cTn>
+                        </p:par>
+                      </p:childTnLst>
+                    </p:cTn>
+                  </p:par>
+                  <p:par>
+                    <p:cTn id="13" fill="hold">
+                      <p:stCondLst>
+                        <p:cond delay="indefinite"/>
+                      </p:stCondLst>
+                      <p:childTnLst>
+                        <p:par>
+                          <p:cTn id="14" fill="hold">
+                            <p:stCondLst>
+                              <p:cond delay="0"/>
+                            </p:stCondLst>
+                            <p:childTnLst>
+                              <p:par>
+                                <p:cTn id="15" presetID="9" presetClass="entr" presetSubtype="0" fill="hold" grpId="0" nodeType="clickEffect">
+                                  <p:stCondLst>
+                                    <p:cond delay="0"/>
+                                  </p:stCondLst>
+                                  <p:childTnLst>
+                                    <p:set>
+                                      <p:cBhvr>
+                                        <p:cTn id="16" dur="1" fill="hold">
+                                          <p:stCondLst>
+                                            <p:cond delay="0"/>
+                                          </p:stCondLst>
+                                        </p:cTn>
+                                        <p:tgtEl>
+                                          <p:spTgt spid="3">
+                                            <p:txEl>
+                                              <p:pRg st="2" end="2"/>
+                                            </p:txEl>
+                                          </p:spTgt>
+                                        </p:tgtEl>
+                                        <p:attrNameLst>
+                                          <p:attrName>style.visibility</p:attrName>
+                                        </p:attrNameLst>
+                                      </p:cBhvr>
+                                      <p:to>
+                                        <p:strVal val="visible"/>
+                                      </p:to>
+                                    </p:set>
+                                    <p:animEffect transition="in" filter="dissolve">
+                                      <p:cBhvr>
+                                        <p:cTn id="17" dur="500"/>
+                                        <p:tgtEl>
+                                          <p:spTgt spid="3">
+                                            <p:txEl>
+                                              <p:pRg st="2" end="2"/>
+                                            </p:txEl>
+                                          </p:spTgt>
+                                        </p:tgtEl>
+                                      </p:cBhvr>
+                                    </p:animEffect>
+                                  </p:childTnLst>
+                                </p:cTn>
+                              </p:par>
+                            </p:childTnLst>
+                          </p:cTn>
+                        </p:par>
+                      </p:childTnLst>
+                    </p:cTn>
+                  </p:par>
+                </p:childTnLst>
+              </p:cTn>
+              <p:prevCondLst>
+                <p:cond evt="onPrev" delay="0">
+                  <p:tgtEl>
+                    <p:sldTgt/>
+                  </p:tgtEl>
+                </p:cond>
+              </p:prevCondLst>
+              <p:nextCondLst>
+                <p:cond evt="onNext" delay="0">
+                  <p:tgtEl>
+                    <p:sldTgt/>
+                  </p:tgtEl>
+                </p:cond>
+              </p:nextCondLst>
+            </p:seq>
+          </p:childTnLst>
+        </p:cTn>
       </p:par>
     </p:tnLst>
+    <p:bldLst>
+      <p:bldP spid="3" grpId="0" build="p"/>
+    </p:bldLst>
   </p:timing>
 </p:sld>
 </file>
 
-<file path=ppt/slides/slide7.xml><?xml version="1.0" encoding="utf-8"?>
+<file path=ppt/slides/slide8.xml><?xml version="1.0" encoding="utf-8"?>
 <p:sld xmlns:a="http://schemas.openxmlformats.org/drawingml/2006/main" xmlns:r="http://schemas.openxmlformats.org/officeDocument/2006/relationships" xmlns:p="http://schemas.openxmlformats.org/presentationml/2006/main">
   <p:cSld>
     <p:spTree>
@@ -19763,17 +20676,107 @@
           <a:lstStyle/>
           <a:p>
             <a:r>
-              <a:rPr lang="en-US" dirty="0" smtClean="0"/>
+              <a:rPr lang="en-US" dirty="0"/>
               <a:t>MBSE Approach:</a:t>
             </a:r>
             <a:br>
-              <a:rPr lang="en-US" dirty="0" smtClean="0"/>
+              <a:rPr lang="en-US" dirty="0"/>
             </a:br>
             <a:r>
-              <a:rPr lang="en-US" dirty="0" smtClean="0"/>
+              <a:rPr lang="en-US" dirty="0"/>
               <a:t>Operational View</a:t>
             </a:r>
-            <a:endParaRPr lang="en-US" dirty="0"/>
+          </a:p>
+        </p:txBody>
+      </p:sp>
+      <p:pic>
+        <p:nvPicPr>
+          <p:cNvPr id="5" name="Picture 4">
+            <a:extLst>
+              <a:ext uri="{FF2B5EF4-FFF2-40B4-BE49-F238E27FC236}">
+                <a16:creationId xmlns:a16="http://schemas.microsoft.com/office/drawing/2014/main" id="{43C0287D-92E8-B54A-BE09-9C37AA75A34F}"/>
+              </a:ext>
+            </a:extLst>
+          </p:cNvPr>
+          <p:cNvPicPr>
+            <a:picLocks noChangeAspect="1"/>
+          </p:cNvPicPr>
+          <p:nvPr/>
+        </p:nvPicPr>
+        <p:blipFill>
+          <a:blip r:embed="rId2"/>
+          <a:stretch>
+            <a:fillRect/>
+          </a:stretch>
+        </p:blipFill>
+        <p:spPr>
+          <a:xfrm>
+            <a:off x="4719484" y="1287265"/>
+            <a:ext cx="6908390" cy="4373657"/>
+          </a:xfrm>
+          <a:prstGeom prst="rect">
+            <a:avLst/>
+          </a:prstGeom>
+        </p:spPr>
+      </p:pic>
+    </p:spTree>
+    <p:extLst>
+      <p:ext uri="{BB962C8B-B14F-4D97-AF65-F5344CB8AC3E}">
+        <p14:creationId xmlns:p14="http://schemas.microsoft.com/office/powerpoint/2010/main" val="573251139"/>
+      </p:ext>
+    </p:extLst>
+  </p:cSld>
+  <p:clrMapOvr>
+    <a:masterClrMapping/>
+  </p:clrMapOvr>
+</p:sld>
+</file>
+
+<file path=ppt/slides/slide9.xml><?xml version="1.0" encoding="utf-8"?>
+<p:sld xmlns:a="http://schemas.openxmlformats.org/drawingml/2006/main" xmlns:r="http://schemas.openxmlformats.org/officeDocument/2006/relationships" xmlns:p="http://schemas.openxmlformats.org/presentationml/2006/main">
+  <p:cSld>
+    <p:spTree>
+      <p:nvGrpSpPr>
+        <p:cNvPr id="1" name=""/>
+        <p:cNvGrpSpPr/>
+        <p:nvPr/>
+      </p:nvGrpSpPr>
+      <p:grpSpPr>
+        <a:xfrm>
+          <a:off x="0" y="0"/>
+          <a:ext cx="0" cy="0"/>
+          <a:chOff x="0" y="0"/>
+          <a:chExt cx="0" cy="0"/>
+        </a:xfrm>
+      </p:grpSpPr>
+      <p:sp>
+        <p:nvSpPr>
+          <p:cNvPr id="2" name="Title 1"/>
+          <p:cNvSpPr>
+            <a:spLocks noGrp="1"/>
+          </p:cNvSpPr>
+          <p:nvPr>
+            <p:ph type="title"/>
+          </p:nvPr>
+        </p:nvSpPr>
+        <p:spPr/>
+        <p:txBody>
+          <a:bodyPr>
+            <a:normAutofit fontScale="90000"/>
+          </a:bodyPr>
+          <a:lstStyle/>
+          <a:p>
+            <a:r>
+              <a:rPr lang="en-US" dirty="0"/>
+              <a:t>MBSE Approach:</a:t>
+            </a:r>
+            <a:br>
+              <a:rPr lang="en-US" dirty="0"/>
+            </a:br>
+            <a:r>
+              <a:rPr lang="en-US" dirty="0"/>
+              <a:t>Operational View</a:t>
+            </a:r>
           </a:p>
         </p:txBody>
       </p:sp>
@@ -19811,231 +20814,6 @@
   <p:clrMapOvr>
     <a:masterClrMapping/>
   </p:clrMapOvr>
-  <p:timing>
-    <p:tnLst>
-      <p:par>
-        <p:cTn id="1" dur="indefinite" restart="never" nodeType="tmRoot"/>
-      </p:par>
-    </p:tnLst>
-  </p:timing>
-</p:sld>
-</file>
-
-<file path=ppt/slides/slide8.xml><?xml version="1.0" encoding="utf-8"?>
-<p:sld xmlns:a="http://schemas.openxmlformats.org/drawingml/2006/main" xmlns:r="http://schemas.openxmlformats.org/officeDocument/2006/relationships" xmlns:p="http://schemas.openxmlformats.org/presentationml/2006/main">
-  <p:cSld>
-    <p:spTree>
-      <p:nvGrpSpPr>
-        <p:cNvPr id="1" name=""/>
-        <p:cNvGrpSpPr/>
-        <p:nvPr/>
-      </p:nvGrpSpPr>
-      <p:grpSpPr>
-        <a:xfrm>
-          <a:off x="0" y="0"/>
-          <a:ext cx="0" cy="0"/>
-          <a:chOff x="0" y="0"/>
-          <a:chExt cx="0" cy="0"/>
-        </a:xfrm>
-      </p:grpSpPr>
-      <p:sp>
-        <p:nvSpPr>
-          <p:cNvPr id="2" name="Title 1"/>
-          <p:cNvSpPr>
-            <a:spLocks noGrp="1"/>
-          </p:cNvSpPr>
-          <p:nvPr>
-            <p:ph type="title"/>
-          </p:nvPr>
-        </p:nvSpPr>
-        <p:spPr/>
-        <p:txBody>
-          <a:bodyPr>
-            <a:normAutofit/>
-          </a:bodyPr>
-          <a:lstStyle/>
-          <a:p>
-            <a:r>
-              <a:rPr lang="en-US" dirty="0"/>
-              <a:t>MBSE Approach:</a:t>
-            </a:r>
-            <a:br>
-              <a:rPr lang="en-US" dirty="0"/>
-            </a:br>
-            <a:r>
-              <a:rPr lang="en-US" dirty="0" smtClean="0"/>
-              <a:t>Systems </a:t>
-            </a:r>
-            <a:r>
-              <a:rPr lang="en-US" dirty="0"/>
-              <a:t>View</a:t>
-            </a:r>
-          </a:p>
-        </p:txBody>
-      </p:sp>
-      <p:pic>
-        <p:nvPicPr>
-          <p:cNvPr id="4" name="Picture 3"/>
-          <p:cNvPicPr>
-            <a:picLocks noChangeAspect="1"/>
-          </p:cNvPicPr>
-          <p:nvPr/>
-        </p:nvPicPr>
-        <p:blipFill>
-          <a:blip r:embed="rId2"/>
-          <a:stretch>
-            <a:fillRect/>
-          </a:stretch>
-        </p:blipFill>
-        <p:spPr>
-          <a:xfrm>
-            <a:off x="4810713" y="1515802"/>
-            <a:ext cx="6921856" cy="3721291"/>
-          </a:xfrm>
-          <a:prstGeom prst="rect">
-            <a:avLst/>
-          </a:prstGeom>
-        </p:spPr>
-      </p:pic>
-    </p:spTree>
-    <p:extLst>
-      <p:ext uri="{BB962C8B-B14F-4D97-AF65-F5344CB8AC3E}">
-        <p14:creationId xmlns:p14="http://schemas.microsoft.com/office/powerpoint/2010/main" val="1432079059"/>
-      </p:ext>
-    </p:extLst>
-  </p:cSld>
-  <p:clrMapOvr>
-    <a:masterClrMapping/>
-  </p:clrMapOvr>
-  <p:timing>
-    <p:tnLst>
-      <p:par>
-        <p:cTn id="1" dur="indefinite" restart="never" nodeType="tmRoot"/>
-      </p:par>
-    </p:tnLst>
-  </p:timing>
-</p:sld>
-</file>
-
-<file path=ppt/slides/slide9.xml><?xml version="1.0" encoding="utf-8"?>
-<p:sld xmlns:a="http://schemas.openxmlformats.org/drawingml/2006/main" xmlns:r="http://schemas.openxmlformats.org/officeDocument/2006/relationships" xmlns:p="http://schemas.openxmlformats.org/presentationml/2006/main">
-  <p:cSld>
-    <p:spTree>
-      <p:nvGrpSpPr>
-        <p:cNvPr id="1" name=""/>
-        <p:cNvGrpSpPr/>
-        <p:nvPr/>
-      </p:nvGrpSpPr>
-      <p:grpSpPr>
-        <a:xfrm>
-          <a:off x="0" y="0"/>
-          <a:ext cx="0" cy="0"/>
-          <a:chOff x="0" y="0"/>
-          <a:chExt cx="0" cy="0"/>
-        </a:xfrm>
-      </p:grpSpPr>
-      <p:sp>
-        <p:nvSpPr>
-          <p:cNvPr id="2" name="Title 1"/>
-          <p:cNvSpPr>
-            <a:spLocks noGrp="1"/>
-          </p:cNvSpPr>
-          <p:nvPr>
-            <p:ph type="title"/>
-          </p:nvPr>
-        </p:nvSpPr>
-        <p:spPr/>
-        <p:txBody>
-          <a:bodyPr/>
-          <a:lstStyle/>
-          <a:p>
-            <a:r>
-              <a:rPr lang="en-US" dirty="0" smtClean="0"/>
-              <a:t>Challenges</a:t>
-            </a:r>
-            <a:endParaRPr lang="en-US" dirty="0"/>
-          </a:p>
-        </p:txBody>
-      </p:sp>
-      <p:sp>
-        <p:nvSpPr>
-          <p:cNvPr id="3" name="Content Placeholder 2"/>
-          <p:cNvSpPr>
-            <a:spLocks noGrp="1"/>
-          </p:cNvSpPr>
-          <p:nvPr>
-            <p:ph idx="1"/>
-          </p:nvPr>
-        </p:nvSpPr>
-        <p:spPr/>
-        <p:txBody>
-          <a:bodyPr/>
-          <a:lstStyle/>
-          <a:p>
-            <a:r>
-              <a:rPr lang="en-US" dirty="0"/>
-              <a:t>Systems deploying the </a:t>
-            </a:r>
-            <a:r>
-              <a:rPr lang="en-US" dirty="0" err="1"/>
-              <a:t>IoT</a:t>
-            </a:r>
-            <a:r>
-              <a:rPr lang="en-US" dirty="0"/>
-              <a:t> require a different infrastructure, this includes modified hardware, software applications, and an operating system embedded in the product itself. </a:t>
-            </a:r>
-            <a:endParaRPr lang="en-US" dirty="0" smtClean="0"/>
-          </a:p>
-          <a:p>
-            <a:r>
-              <a:rPr lang="en-US" dirty="0" smtClean="0"/>
-              <a:t>Concerns include:</a:t>
-            </a:r>
-          </a:p>
-          <a:p>
-            <a:pPr lvl="1"/>
-            <a:r>
-              <a:rPr lang="en-US" dirty="0" smtClean="0"/>
-              <a:t>Security</a:t>
-            </a:r>
-          </a:p>
-          <a:p>
-            <a:pPr lvl="1"/>
-            <a:r>
-              <a:rPr lang="en-US" dirty="0" smtClean="0"/>
-              <a:t>Infrastructure</a:t>
-            </a:r>
-          </a:p>
-          <a:p>
-            <a:pPr lvl="1"/>
-            <a:r>
-              <a:rPr lang="en-US" dirty="0" smtClean="0"/>
-              <a:t>Monitoring</a:t>
-            </a:r>
-            <a:endParaRPr lang="en-US" dirty="0"/>
-          </a:p>
-          <a:p>
-            <a:endParaRPr lang="en-US" dirty="0"/>
-          </a:p>
-        </p:txBody>
-      </p:sp>
-    </p:spTree>
-    <p:extLst>
-      <p:ext uri="{BB962C8B-B14F-4D97-AF65-F5344CB8AC3E}">
-        <p14:creationId xmlns:p14="http://schemas.microsoft.com/office/powerpoint/2010/main" val="1332741353"/>
-      </p:ext>
-    </p:extLst>
-  </p:cSld>
-  <p:clrMapOvr>
-    <a:masterClrMapping/>
-  </p:clrMapOvr>
-  <p:timing>
-    <p:tnLst>
-      <p:par>
-        <p:cTn id="1" dur="indefinite" restart="never" nodeType="tmRoot"/>
-      </p:par>
-    </p:tnLst>
-  </p:timing>
 </p:sld>
 </file>
 
@@ -20592,20 +21370,20 @@
 </file>
 
 <file path=customXml/item1.xml><?xml version="1.0" encoding="utf-8"?>
-<p:properties xmlns:p="http://schemas.microsoft.com/office/2006/metadata/properties" xmlns:xsi="http://www.w3.org/2001/XMLSchema-instance" xmlns:pc="http://schemas.microsoft.com/office/infopath/2007/PartnerControls">
-  <documentManagement>
-    <MediaServiceKeyPoints xmlns="71af3243-3dd4-4a8d-8c0d-dd76da1f02a5" xsi:nil="true"/>
-  </documentManagement>
-</p:properties>
-</file>
-
-<file path=customXml/item2.xml><?xml version="1.0" encoding="utf-8"?>
 <?mso-contentType ?>
 <FormTemplates xmlns="http://schemas.microsoft.com/sharepoint/v3/contenttype/forms">
   <Display>DocumentLibraryForm</Display>
   <Edit>DocumentLibraryForm</Edit>
   <New>DocumentLibraryForm</New>
 </FormTemplates>
+</file>
+
+<file path=customXml/item2.xml><?xml version="1.0" encoding="utf-8"?>
+<p:properties xmlns:p="http://schemas.microsoft.com/office/2006/metadata/properties" xmlns:xsi="http://www.w3.org/2001/XMLSchema-instance" xmlns:pc="http://schemas.microsoft.com/office/infopath/2007/PartnerControls">
+  <documentManagement>
+    <MediaServiceKeyPoints xmlns="71af3243-3dd4-4a8d-8c0d-dd76da1f02a5" xsi:nil="true"/>
+  </documentManagement>
+</p:properties>
 </file>
 
 <file path=customXml/item3.xml><?xml version="1.0" encoding="utf-8"?>
@@ -20820,6 +21598,14 @@
 </file>
 
 <file path=customXml/itemProps1.xml><?xml version="1.0" encoding="utf-8"?>
+<ds:datastoreItem xmlns:ds="http://schemas.openxmlformats.org/officeDocument/2006/customXml" ds:itemID="{58F3D8C7-1E6F-4D15-8163-ADBC81A00AAD}">
+  <ds:schemaRefs>
+    <ds:schemaRef ds:uri="http://schemas.microsoft.com/sharepoint/v3/contenttype/forms"/>
+  </ds:schemaRefs>
+</ds:datastoreItem>
+</file>
+
+<file path=customXml/itemProps2.xml><?xml version="1.0" encoding="utf-8"?>
 <ds:datastoreItem xmlns:ds="http://schemas.openxmlformats.org/officeDocument/2006/customXml" ds:itemID="{AD24716F-C831-4AC2-BB0A-5EC60E4671B3}">
   <ds:schemaRefs>
     <ds:schemaRef ds:uri="http://purl.org/dc/terms/"/>
@@ -20832,14 +21618,6 @@
     <ds:schemaRef ds:uri="http://schemas.openxmlformats.org/package/2006/metadata/core-properties"/>
     <ds:schemaRef ds:uri="71af3243-3dd4-4a8d-8c0d-dd76da1f02a5"/>
     <ds:schemaRef ds:uri="http://www.w3.org/XML/1998/namespace"/>
-  </ds:schemaRefs>
-</ds:datastoreItem>
-</file>
-
-<file path=customXml/itemProps2.xml><?xml version="1.0" encoding="utf-8"?>
-<ds:datastoreItem xmlns:ds="http://schemas.openxmlformats.org/officeDocument/2006/customXml" ds:itemID="{58F3D8C7-1E6F-4D15-8163-ADBC81A00AAD}">
-  <ds:schemaRefs>
-    <ds:schemaRef ds:uri="http://schemas.microsoft.com/sharepoint/v3/contenttype/forms"/>
   </ds:schemaRefs>
 </ds:datastoreItem>
 </file>
